--- a/Notes/8_H-Atom.pptx
+++ b/Notes/8_H-Atom.pptx
@@ -127,6 +127,22 @@
       </a:defRPr>
     </a:lvl9pPr>
   </p:defaultTextStyle>
+  <p:extLst>
+    <p:ext uri="{EFAFB233-063F-42B5-8137-9DF3F51BA10A}">
+      <p15:sldGuideLst xmlns:p15="http://schemas.microsoft.com/office/powerpoint/2012/main">
+        <p15:guide id="1" orient="horz" pos="2160">
+          <p15:clr>
+            <a:srgbClr val="A4A3A4"/>
+          </p15:clr>
+        </p15:guide>
+        <p15:guide id="2" pos="2880">
+          <p15:clr>
+            <a:srgbClr val="A4A3A4"/>
+          </p15:clr>
+        </p15:guide>
+      </p15:sldGuideLst>
+    </p:ext>
+  </p:extLst>
 </p:presentation>
 </file>
 
@@ -212,7 +228,7 @@
           <a:p>
             <a:fld id="{7140EA89-28A1-B243-977E-6A31A2C6F750}" type="datetimeFigureOut">
               <a:rPr lang="en-US" smtClean="0"/>
-              <a:t>10/28/14</a:t>
+              <a:t>11/11/20</a:t>
             </a:fld>
             <a:endParaRPr lang="en-US"/>
           </a:p>
@@ -276,38 +292,37 @@
           <a:p>
             <a:pPr lvl="0"/>
             <a:r>
-              <a:rPr lang="en-US" smtClean="0"/>
+              <a:rPr lang="en-US"/>
               <a:t>Click to edit Master text styles</a:t>
             </a:r>
           </a:p>
           <a:p>
             <a:pPr lvl="1"/>
             <a:r>
-              <a:rPr lang="en-US" smtClean="0"/>
+              <a:rPr lang="en-US"/>
               <a:t>Second level</a:t>
             </a:r>
           </a:p>
           <a:p>
             <a:pPr lvl="2"/>
             <a:r>
-              <a:rPr lang="en-US" smtClean="0"/>
+              <a:rPr lang="en-US"/>
               <a:t>Third level</a:t>
             </a:r>
           </a:p>
           <a:p>
             <a:pPr lvl="3"/>
             <a:r>
-              <a:rPr lang="en-US" smtClean="0"/>
+              <a:rPr lang="en-US"/>
               <a:t>Fourth level</a:t>
             </a:r>
           </a:p>
           <a:p>
             <a:pPr lvl="4"/>
             <a:r>
-              <a:rPr lang="en-US" smtClean="0"/>
+              <a:rPr lang="en-US"/>
               <a:t>Fifth level</a:t>
             </a:r>
-            <a:endParaRPr lang="en-US"/>
           </a:p>
         </p:txBody>
       </p:sp>
@@ -686,10 +701,9 @@
           <a:lstStyle/>
           <a:p>
             <a:r>
-              <a:rPr lang="en-US" smtClean="0"/>
+              <a:rPr lang="en-US"/>
               <a:t>Click to edit Master title style</a:t>
             </a:r>
-            <a:endParaRPr lang="en-US"/>
           </a:p>
         </p:txBody>
       </p:sp>
@@ -805,10 +819,9 @@
           </a:lstStyle>
           <a:p>
             <a:r>
-              <a:rPr lang="en-US" smtClean="0"/>
+              <a:rPr lang="en-US"/>
               <a:t>Click to edit Master subtitle style</a:t>
             </a:r>
-            <a:endParaRPr lang="en-US"/>
           </a:p>
         </p:txBody>
       </p:sp>
@@ -829,7 +842,7 @@
           <a:p>
             <a:fld id="{0648D364-E2AF-6144-9050-EED35606F0A6}" type="datetimeFigureOut">
               <a:rPr lang="en-US" smtClean="0"/>
-              <a:t>10/28/14</a:t>
+              <a:t>11/11/20</a:t>
             </a:fld>
             <a:endParaRPr lang="en-US"/>
           </a:p>
@@ -923,10 +936,9 @@
           <a:lstStyle/>
           <a:p>
             <a:r>
-              <a:rPr lang="en-US" smtClean="0"/>
+              <a:rPr lang="en-US"/>
               <a:t>Click to edit Master title style</a:t>
             </a:r>
-            <a:endParaRPr lang="en-US"/>
           </a:p>
         </p:txBody>
       </p:sp>
@@ -947,38 +959,37 @@
           <a:p>
             <a:pPr lvl="0"/>
             <a:r>
-              <a:rPr lang="en-US" smtClean="0"/>
+              <a:rPr lang="en-US"/>
               <a:t>Click to edit Master text styles</a:t>
             </a:r>
           </a:p>
           <a:p>
             <a:pPr lvl="1"/>
             <a:r>
-              <a:rPr lang="en-US" smtClean="0"/>
+              <a:rPr lang="en-US"/>
               <a:t>Second level</a:t>
             </a:r>
           </a:p>
           <a:p>
             <a:pPr lvl="2"/>
             <a:r>
-              <a:rPr lang="en-US" smtClean="0"/>
+              <a:rPr lang="en-US"/>
               <a:t>Third level</a:t>
             </a:r>
           </a:p>
           <a:p>
             <a:pPr lvl="3"/>
             <a:r>
-              <a:rPr lang="en-US" smtClean="0"/>
+              <a:rPr lang="en-US"/>
               <a:t>Fourth level</a:t>
             </a:r>
           </a:p>
           <a:p>
             <a:pPr lvl="4"/>
             <a:r>
-              <a:rPr lang="en-US" smtClean="0"/>
+              <a:rPr lang="en-US"/>
               <a:t>Fifth level</a:t>
             </a:r>
-            <a:endParaRPr lang="en-US"/>
           </a:p>
         </p:txBody>
       </p:sp>
@@ -999,7 +1010,7 @@
           <a:p>
             <a:fld id="{0648D364-E2AF-6144-9050-EED35606F0A6}" type="datetimeFigureOut">
               <a:rPr lang="en-US" smtClean="0"/>
-              <a:t>10/28/14</a:t>
+              <a:t>11/11/20</a:t>
             </a:fld>
             <a:endParaRPr lang="en-US"/>
           </a:p>
@@ -1098,10 +1109,9 @@
           <a:lstStyle/>
           <a:p>
             <a:r>
-              <a:rPr lang="en-US" smtClean="0"/>
+              <a:rPr lang="en-US"/>
               <a:t>Click to edit Master title style</a:t>
             </a:r>
-            <a:endParaRPr lang="en-US"/>
           </a:p>
         </p:txBody>
       </p:sp>
@@ -1127,38 +1137,37 @@
           <a:p>
             <a:pPr lvl="0"/>
             <a:r>
-              <a:rPr lang="en-US" smtClean="0"/>
+              <a:rPr lang="en-US"/>
               <a:t>Click to edit Master text styles</a:t>
             </a:r>
           </a:p>
           <a:p>
             <a:pPr lvl="1"/>
             <a:r>
-              <a:rPr lang="en-US" smtClean="0"/>
+              <a:rPr lang="en-US"/>
               <a:t>Second level</a:t>
             </a:r>
           </a:p>
           <a:p>
             <a:pPr lvl="2"/>
             <a:r>
-              <a:rPr lang="en-US" smtClean="0"/>
+              <a:rPr lang="en-US"/>
               <a:t>Third level</a:t>
             </a:r>
           </a:p>
           <a:p>
             <a:pPr lvl="3"/>
             <a:r>
-              <a:rPr lang="en-US" smtClean="0"/>
+              <a:rPr lang="en-US"/>
               <a:t>Fourth level</a:t>
             </a:r>
           </a:p>
           <a:p>
             <a:pPr lvl="4"/>
             <a:r>
-              <a:rPr lang="en-US" smtClean="0"/>
+              <a:rPr lang="en-US"/>
               <a:t>Fifth level</a:t>
             </a:r>
-            <a:endParaRPr lang="en-US"/>
           </a:p>
         </p:txBody>
       </p:sp>
@@ -1179,7 +1188,7 @@
           <a:p>
             <a:fld id="{0648D364-E2AF-6144-9050-EED35606F0A6}" type="datetimeFigureOut">
               <a:rPr lang="en-US" smtClean="0"/>
-              <a:t>10/28/14</a:t>
+              <a:t>11/11/20</a:t>
             </a:fld>
             <a:endParaRPr lang="en-US"/>
           </a:p>
@@ -1273,10 +1282,9 @@
           <a:lstStyle/>
           <a:p>
             <a:r>
-              <a:rPr lang="en-US" smtClean="0"/>
+              <a:rPr lang="en-US"/>
               <a:t>Click to edit Master title style</a:t>
             </a:r>
-            <a:endParaRPr lang="en-US"/>
           </a:p>
         </p:txBody>
       </p:sp>
@@ -1297,38 +1305,37 @@
           <a:p>
             <a:pPr lvl="0"/>
             <a:r>
-              <a:rPr lang="en-US" smtClean="0"/>
+              <a:rPr lang="en-US"/>
               <a:t>Click to edit Master text styles</a:t>
             </a:r>
           </a:p>
           <a:p>
             <a:pPr lvl="1"/>
             <a:r>
-              <a:rPr lang="en-US" smtClean="0"/>
+              <a:rPr lang="en-US"/>
               <a:t>Second level</a:t>
             </a:r>
           </a:p>
           <a:p>
             <a:pPr lvl="2"/>
             <a:r>
-              <a:rPr lang="en-US" smtClean="0"/>
+              <a:rPr lang="en-US"/>
               <a:t>Third level</a:t>
             </a:r>
           </a:p>
           <a:p>
             <a:pPr lvl="3"/>
             <a:r>
-              <a:rPr lang="en-US" smtClean="0"/>
+              <a:rPr lang="en-US"/>
               <a:t>Fourth level</a:t>
             </a:r>
           </a:p>
           <a:p>
             <a:pPr lvl="4"/>
             <a:r>
-              <a:rPr lang="en-US" smtClean="0"/>
+              <a:rPr lang="en-US"/>
               <a:t>Fifth level</a:t>
             </a:r>
-            <a:endParaRPr lang="en-US"/>
           </a:p>
         </p:txBody>
       </p:sp>
@@ -1349,7 +1356,7 @@
           <a:p>
             <a:fld id="{0648D364-E2AF-6144-9050-EED35606F0A6}" type="datetimeFigureOut">
               <a:rPr lang="en-US" smtClean="0"/>
-              <a:t>10/28/14</a:t>
+              <a:t>11/11/20</a:t>
             </a:fld>
             <a:endParaRPr lang="en-US"/>
           </a:p>
@@ -1452,10 +1459,9 @@
           </a:lstStyle>
           <a:p>
             <a:r>
-              <a:rPr lang="en-US" smtClean="0"/>
+              <a:rPr lang="en-US"/>
               <a:t>Click to edit Master title style</a:t>
             </a:r>
-            <a:endParaRPr lang="en-US"/>
           </a:p>
         </p:txBody>
       </p:sp>
@@ -1572,7 +1578,7 @@
           <a:p>
             <a:pPr lvl="0"/>
             <a:r>
-              <a:rPr lang="en-US" smtClean="0"/>
+              <a:rPr lang="en-US"/>
               <a:t>Click to edit Master text styles</a:t>
             </a:r>
           </a:p>
@@ -1595,7 +1601,7 @@
           <a:p>
             <a:fld id="{0648D364-E2AF-6144-9050-EED35606F0A6}" type="datetimeFigureOut">
               <a:rPr lang="en-US" smtClean="0"/>
-              <a:t>10/28/14</a:t>
+              <a:t>11/11/20</a:t>
             </a:fld>
             <a:endParaRPr lang="en-US"/>
           </a:p>
@@ -1689,10 +1695,9 @@
           <a:lstStyle/>
           <a:p>
             <a:r>
-              <a:rPr lang="en-US" smtClean="0"/>
+              <a:rPr lang="en-US"/>
               <a:t>Click to edit Master title style</a:t>
             </a:r>
-            <a:endParaRPr lang="en-US"/>
           </a:p>
         </p:txBody>
       </p:sp>
@@ -1746,38 +1751,37 @@
           <a:p>
             <a:pPr lvl="0"/>
             <a:r>
-              <a:rPr lang="en-US" smtClean="0"/>
+              <a:rPr lang="en-US"/>
               <a:t>Click to edit Master text styles</a:t>
             </a:r>
           </a:p>
           <a:p>
             <a:pPr lvl="1"/>
             <a:r>
-              <a:rPr lang="en-US" smtClean="0"/>
+              <a:rPr lang="en-US"/>
               <a:t>Second level</a:t>
             </a:r>
           </a:p>
           <a:p>
             <a:pPr lvl="2"/>
             <a:r>
-              <a:rPr lang="en-US" smtClean="0"/>
+              <a:rPr lang="en-US"/>
               <a:t>Third level</a:t>
             </a:r>
           </a:p>
           <a:p>
             <a:pPr lvl="3"/>
             <a:r>
-              <a:rPr lang="en-US" smtClean="0"/>
+              <a:rPr lang="en-US"/>
               <a:t>Fourth level</a:t>
             </a:r>
           </a:p>
           <a:p>
             <a:pPr lvl="4"/>
             <a:r>
-              <a:rPr lang="en-US" smtClean="0"/>
+              <a:rPr lang="en-US"/>
               <a:t>Fifth level</a:t>
             </a:r>
-            <a:endParaRPr lang="en-US"/>
           </a:p>
         </p:txBody>
       </p:sp>
@@ -1831,38 +1835,37 @@
           <a:p>
             <a:pPr lvl="0"/>
             <a:r>
-              <a:rPr lang="en-US" smtClean="0"/>
+              <a:rPr lang="en-US"/>
               <a:t>Click to edit Master text styles</a:t>
             </a:r>
           </a:p>
           <a:p>
             <a:pPr lvl="1"/>
             <a:r>
-              <a:rPr lang="en-US" smtClean="0"/>
+              <a:rPr lang="en-US"/>
               <a:t>Second level</a:t>
             </a:r>
           </a:p>
           <a:p>
             <a:pPr lvl="2"/>
             <a:r>
-              <a:rPr lang="en-US" smtClean="0"/>
+              <a:rPr lang="en-US"/>
               <a:t>Third level</a:t>
             </a:r>
           </a:p>
           <a:p>
             <a:pPr lvl="3"/>
             <a:r>
-              <a:rPr lang="en-US" smtClean="0"/>
+              <a:rPr lang="en-US"/>
               <a:t>Fourth level</a:t>
             </a:r>
           </a:p>
           <a:p>
             <a:pPr lvl="4"/>
             <a:r>
-              <a:rPr lang="en-US" smtClean="0"/>
+              <a:rPr lang="en-US"/>
               <a:t>Fifth level</a:t>
             </a:r>
-            <a:endParaRPr lang="en-US"/>
           </a:p>
         </p:txBody>
       </p:sp>
@@ -1883,7 +1886,7 @@
           <a:p>
             <a:fld id="{0648D364-E2AF-6144-9050-EED35606F0A6}" type="datetimeFigureOut">
               <a:rPr lang="en-US" smtClean="0"/>
-              <a:t>10/28/14</a:t>
+              <a:t>11/11/20</a:t>
             </a:fld>
             <a:endParaRPr lang="en-US"/>
           </a:p>
@@ -1981,10 +1984,9 @@
           </a:lstStyle>
           <a:p>
             <a:r>
-              <a:rPr lang="en-US" smtClean="0"/>
+              <a:rPr lang="en-US"/>
               <a:t>Click to edit Master title style</a:t>
             </a:r>
-            <a:endParaRPr lang="en-US"/>
           </a:p>
         </p:txBody>
       </p:sp>
@@ -2047,7 +2049,7 @@
           <a:p>
             <a:pPr lvl="0"/>
             <a:r>
-              <a:rPr lang="en-US" smtClean="0"/>
+              <a:rPr lang="en-US"/>
               <a:t>Click to edit Master text styles</a:t>
             </a:r>
           </a:p>
@@ -2103,38 +2105,37 @@
           <a:p>
             <a:pPr lvl="0"/>
             <a:r>
-              <a:rPr lang="en-US" smtClean="0"/>
+              <a:rPr lang="en-US"/>
               <a:t>Click to edit Master text styles</a:t>
             </a:r>
           </a:p>
           <a:p>
             <a:pPr lvl="1"/>
             <a:r>
-              <a:rPr lang="en-US" smtClean="0"/>
+              <a:rPr lang="en-US"/>
               <a:t>Second level</a:t>
             </a:r>
           </a:p>
           <a:p>
             <a:pPr lvl="2"/>
             <a:r>
-              <a:rPr lang="en-US" smtClean="0"/>
+              <a:rPr lang="en-US"/>
               <a:t>Third level</a:t>
             </a:r>
           </a:p>
           <a:p>
             <a:pPr lvl="3"/>
             <a:r>
-              <a:rPr lang="en-US" smtClean="0"/>
+              <a:rPr lang="en-US"/>
               <a:t>Fourth level</a:t>
             </a:r>
           </a:p>
           <a:p>
             <a:pPr lvl="4"/>
             <a:r>
-              <a:rPr lang="en-US" smtClean="0"/>
+              <a:rPr lang="en-US"/>
               <a:t>Fifth level</a:t>
             </a:r>
-            <a:endParaRPr lang="en-US"/>
           </a:p>
         </p:txBody>
       </p:sp>
@@ -2197,7 +2198,7 @@
           <a:p>
             <a:pPr lvl="0"/>
             <a:r>
-              <a:rPr lang="en-US" smtClean="0"/>
+              <a:rPr lang="en-US"/>
               <a:t>Click to edit Master text styles</a:t>
             </a:r>
           </a:p>
@@ -2253,38 +2254,37 @@
           <a:p>
             <a:pPr lvl="0"/>
             <a:r>
-              <a:rPr lang="en-US" smtClean="0"/>
+              <a:rPr lang="en-US"/>
               <a:t>Click to edit Master text styles</a:t>
             </a:r>
           </a:p>
           <a:p>
             <a:pPr lvl="1"/>
             <a:r>
-              <a:rPr lang="en-US" smtClean="0"/>
+              <a:rPr lang="en-US"/>
               <a:t>Second level</a:t>
             </a:r>
           </a:p>
           <a:p>
             <a:pPr lvl="2"/>
             <a:r>
-              <a:rPr lang="en-US" smtClean="0"/>
+              <a:rPr lang="en-US"/>
               <a:t>Third level</a:t>
             </a:r>
           </a:p>
           <a:p>
             <a:pPr lvl="3"/>
             <a:r>
-              <a:rPr lang="en-US" smtClean="0"/>
+              <a:rPr lang="en-US"/>
               <a:t>Fourth level</a:t>
             </a:r>
           </a:p>
           <a:p>
             <a:pPr lvl="4"/>
             <a:r>
-              <a:rPr lang="en-US" smtClean="0"/>
+              <a:rPr lang="en-US"/>
               <a:t>Fifth level</a:t>
             </a:r>
-            <a:endParaRPr lang="en-US"/>
           </a:p>
         </p:txBody>
       </p:sp>
@@ -2305,7 +2305,7 @@
           <a:p>
             <a:fld id="{0648D364-E2AF-6144-9050-EED35606F0A6}" type="datetimeFigureOut">
               <a:rPr lang="en-US" smtClean="0"/>
-              <a:t>10/28/14</a:t>
+              <a:t>11/11/20</a:t>
             </a:fld>
             <a:endParaRPr lang="en-US"/>
           </a:p>
@@ -2399,10 +2399,9 @@
           <a:lstStyle/>
           <a:p>
             <a:r>
-              <a:rPr lang="en-US" smtClean="0"/>
+              <a:rPr lang="en-US"/>
               <a:t>Click to edit Master title style</a:t>
             </a:r>
-            <a:endParaRPr lang="en-US"/>
           </a:p>
         </p:txBody>
       </p:sp>
@@ -2423,7 +2422,7 @@
           <a:p>
             <a:fld id="{0648D364-E2AF-6144-9050-EED35606F0A6}" type="datetimeFigureOut">
               <a:rPr lang="en-US" smtClean="0"/>
-              <a:t>10/28/14</a:t>
+              <a:t>11/11/20</a:t>
             </a:fld>
             <a:endParaRPr lang="en-US"/>
           </a:p>
@@ -2518,7 +2517,7 @@
           <a:p>
             <a:fld id="{0648D364-E2AF-6144-9050-EED35606F0A6}" type="datetimeFigureOut">
               <a:rPr lang="en-US" smtClean="0"/>
-              <a:t>10/28/14</a:t>
+              <a:t>11/11/20</a:t>
             </a:fld>
             <a:endParaRPr lang="en-US"/>
           </a:p>
@@ -2621,10 +2620,9 @@
           </a:lstStyle>
           <a:p>
             <a:r>
-              <a:rPr lang="en-US" smtClean="0"/>
+              <a:rPr lang="en-US"/>
               <a:t>Click to edit Master title style</a:t>
             </a:r>
-            <a:endParaRPr lang="en-US"/>
           </a:p>
         </p:txBody>
       </p:sp>
@@ -2678,38 +2676,37 @@
           <a:p>
             <a:pPr lvl="0"/>
             <a:r>
-              <a:rPr lang="en-US" smtClean="0"/>
+              <a:rPr lang="en-US"/>
               <a:t>Click to edit Master text styles</a:t>
             </a:r>
           </a:p>
           <a:p>
             <a:pPr lvl="1"/>
             <a:r>
-              <a:rPr lang="en-US" smtClean="0"/>
+              <a:rPr lang="en-US"/>
               <a:t>Second level</a:t>
             </a:r>
           </a:p>
           <a:p>
             <a:pPr lvl="2"/>
             <a:r>
-              <a:rPr lang="en-US" smtClean="0"/>
+              <a:rPr lang="en-US"/>
               <a:t>Third level</a:t>
             </a:r>
           </a:p>
           <a:p>
             <a:pPr lvl="3"/>
             <a:r>
-              <a:rPr lang="en-US" smtClean="0"/>
+              <a:rPr lang="en-US"/>
               <a:t>Fourth level</a:t>
             </a:r>
           </a:p>
           <a:p>
             <a:pPr lvl="4"/>
             <a:r>
-              <a:rPr lang="en-US" smtClean="0"/>
+              <a:rPr lang="en-US"/>
               <a:t>Fifth level</a:t>
             </a:r>
-            <a:endParaRPr lang="en-US"/>
           </a:p>
         </p:txBody>
       </p:sp>
@@ -2772,7 +2769,7 @@
           <a:p>
             <a:pPr lvl="0"/>
             <a:r>
-              <a:rPr lang="en-US" smtClean="0"/>
+              <a:rPr lang="en-US"/>
               <a:t>Click to edit Master text styles</a:t>
             </a:r>
           </a:p>
@@ -2795,7 +2792,7 @@
           <a:p>
             <a:fld id="{0648D364-E2AF-6144-9050-EED35606F0A6}" type="datetimeFigureOut">
               <a:rPr lang="en-US" smtClean="0"/>
-              <a:t>10/28/14</a:t>
+              <a:t>11/11/20</a:t>
             </a:fld>
             <a:endParaRPr lang="en-US"/>
           </a:p>
@@ -2898,10 +2895,9 @@
           </a:lstStyle>
           <a:p>
             <a:r>
-              <a:rPr lang="en-US" smtClean="0"/>
+              <a:rPr lang="en-US"/>
               <a:t>Click to edit Master title style</a:t>
             </a:r>
-            <a:endParaRPr lang="en-US"/>
           </a:p>
         </p:txBody>
       </p:sp>
@@ -3025,7 +3021,7 @@
           <a:p>
             <a:pPr lvl="0"/>
             <a:r>
-              <a:rPr lang="en-US" smtClean="0"/>
+              <a:rPr lang="en-US"/>
               <a:t>Click to edit Master text styles</a:t>
             </a:r>
           </a:p>
@@ -3048,7 +3044,7 @@
           <a:p>
             <a:fld id="{0648D364-E2AF-6144-9050-EED35606F0A6}" type="datetimeFigureOut">
               <a:rPr lang="en-US" smtClean="0"/>
-              <a:t>10/28/14</a:t>
+              <a:t>11/11/20</a:t>
             </a:fld>
             <a:endParaRPr lang="en-US"/>
           </a:p>
@@ -3157,10 +3153,9 @@
           <a:lstStyle/>
           <a:p>
             <a:r>
-              <a:rPr lang="en-US" smtClean="0"/>
+              <a:rPr lang="en-US"/>
               <a:t>Click to edit Master title style</a:t>
             </a:r>
-            <a:endParaRPr lang="en-US"/>
           </a:p>
         </p:txBody>
       </p:sp>
@@ -3191,38 +3186,37 @@
           <a:p>
             <a:pPr lvl="0"/>
             <a:r>
-              <a:rPr lang="en-US" smtClean="0"/>
+              <a:rPr lang="en-US"/>
               <a:t>Click to edit Master text styles</a:t>
             </a:r>
           </a:p>
           <a:p>
             <a:pPr lvl="1"/>
             <a:r>
-              <a:rPr lang="en-US" smtClean="0"/>
+              <a:rPr lang="en-US"/>
               <a:t>Second level</a:t>
             </a:r>
           </a:p>
           <a:p>
             <a:pPr lvl="2"/>
             <a:r>
-              <a:rPr lang="en-US" smtClean="0"/>
+              <a:rPr lang="en-US"/>
               <a:t>Third level</a:t>
             </a:r>
           </a:p>
           <a:p>
             <a:pPr lvl="3"/>
             <a:r>
-              <a:rPr lang="en-US" smtClean="0"/>
+              <a:rPr lang="en-US"/>
               <a:t>Fourth level</a:t>
             </a:r>
           </a:p>
           <a:p>
             <a:pPr lvl="4"/>
             <a:r>
-              <a:rPr lang="en-US" smtClean="0"/>
+              <a:rPr lang="en-US"/>
               <a:t>Fifth level</a:t>
             </a:r>
-            <a:endParaRPr lang="en-US"/>
           </a:p>
         </p:txBody>
       </p:sp>
@@ -3261,7 +3255,7 @@
           <a:p>
             <a:fld id="{0648D364-E2AF-6144-9050-EED35606F0A6}" type="datetimeFigureOut">
               <a:rPr lang="en-US" smtClean="0"/>
-              <a:t>10/28/14</a:t>
+              <a:t>11/11/20</a:t>
             </a:fld>
             <a:endParaRPr lang="en-US"/>
           </a:p>
@@ -3734,7 +3728,7 @@
           <a:p>
             <a:pPr algn="ctr"/>
             <a:r>
-              <a:rPr lang="en-US" sz="4400" dirty="0" smtClean="0">
+              <a:rPr lang="en-US" sz="4400" dirty="0">
                 <a:latin typeface="Times New Roman"/>
                 <a:cs typeface="Times New Roman"/>
               </a:rPr>
@@ -3777,13 +3771,6 @@
   <p:clrMapOvr>
     <a:masterClrMapping/>
   </p:clrMapOvr>
-  <p:timing>
-    <p:tnLst>
-      <p:par>
-        <p:cTn xmlns:p14="http://schemas.microsoft.com/office/powerpoint/2010/main" id="1" dur="indefinite" restart="never" nodeType="tmRoot"/>
-      </p:par>
-    </p:tnLst>
-  </p:timing>
 </p:sld>
 </file>
 
@@ -3887,7 +3874,7 @@
               </a:tabLst>
             </a:pPr>
             <a:r>
-              <a:rPr lang="en-GB" sz="4000" dirty="0" smtClean="0">
+              <a:rPr lang="en-GB" sz="4000" dirty="0">
                 <a:solidFill>
                   <a:srgbClr val="000000"/>
                 </a:solidFill>
@@ -3895,12 +3882,6 @@
               </a:rPr>
               <a:t>Hydrogen Orbitals</a:t>
             </a:r>
-            <a:endParaRPr lang="en-GB" sz="4000" dirty="0">
-              <a:solidFill>
-                <a:srgbClr val="000000"/>
-              </a:solidFill>
-              <a:latin typeface="Times New Roman" pitchFamily="18" charset="0"/>
-            </a:endParaRPr>
           </a:p>
         </p:txBody>
       </p:sp>
@@ -3957,7 +3938,7 @@
                 <a:tab pos="10488613" algn="l"/>
               </a:tabLst>
             </a:pPr>
-            <a:endParaRPr lang="en-GB" sz="1200" dirty="0" smtClean="0">
+            <a:endParaRPr lang="en-GB" sz="1200" dirty="0">
               <a:solidFill>
                 <a:srgbClr val="000000"/>
               </a:solidFill>
@@ -3991,7 +3972,7 @@
               </a:tabLst>
             </a:pPr>
             <a:r>
-              <a:rPr lang="en-GB" sz="3200" dirty="0" smtClean="0">
+              <a:rPr lang="en-GB" sz="3200" dirty="0">
                 <a:solidFill>
                   <a:srgbClr val="000000"/>
                 </a:solidFill>
@@ -4259,7 +4240,7 @@
               <a:t>  are called </a:t>
             </a:r>
             <a:r>
-              <a:rPr lang="en-GB" sz="2400" b="1" dirty="0" smtClean="0">
+              <a:rPr lang="en-GB" sz="2400" b="1" dirty="0">
                 <a:solidFill>
                   <a:srgbClr val="000000"/>
                 </a:solidFill>
@@ -4330,7 +4311,7 @@
                 <a:tab pos="10488613" algn="l"/>
               </a:tabLst>
             </a:pPr>
-            <a:endParaRPr lang="en-GB" sz="1200" dirty="0" smtClean="0">
+            <a:endParaRPr lang="en-GB" sz="1200" dirty="0">
               <a:solidFill>
                 <a:srgbClr val="000000"/>
               </a:solidFill>
@@ -4431,7 +4412,7 @@
           <a:lstStyle/>
           <a:p>
             <a:r>
-              <a:rPr lang="en-GB" sz="2400" dirty="0" err="1" smtClean="0">
+              <a:rPr lang="en-GB" sz="2400" dirty="0" err="1">
                 <a:solidFill>
                   <a:srgbClr val="000000"/>
                 </a:solidFill>
@@ -4440,7 +4421,7 @@
               <a:t>Orthogonalized</a:t>
             </a:r>
             <a:r>
-              <a:rPr lang="en-GB" sz="2400" dirty="0" smtClean="0">
+              <a:rPr lang="en-GB" sz="2400" dirty="0">
                 <a:solidFill>
                   <a:srgbClr val="000000"/>
                 </a:solidFill>
@@ -4449,7 +4430,7 @@
               <a:t> modified associated </a:t>
             </a:r>
             <a:r>
-              <a:rPr lang="en-GB" sz="2400" dirty="0" err="1" smtClean="0">
+              <a:rPr lang="en-GB" sz="2400" dirty="0" err="1">
                 <a:solidFill>
                   <a:srgbClr val="000000"/>
                 </a:solidFill>
@@ -4458,7 +4439,7 @@
               <a:t>Laguerre</a:t>
             </a:r>
             <a:r>
-              <a:rPr lang="en-GB" sz="2400" dirty="0" smtClean="0">
+              <a:rPr lang="en-GB" sz="2400" dirty="0">
                 <a:solidFill>
                   <a:srgbClr val="000000"/>
                 </a:solidFill>
@@ -4492,7 +4473,7 @@
           <a:lstStyle/>
           <a:p>
             <a:r>
-              <a:rPr lang="en-GB" sz="2400" dirty="0" smtClean="0">
+              <a:rPr lang="en-GB" sz="2400" dirty="0">
                 <a:solidFill>
                   <a:srgbClr val="000000"/>
                 </a:solidFill>
@@ -4530,7 +4511,7 @@
               <a:buChar char="•"/>
             </a:pPr>
             <a:r>
-              <a:rPr lang="en-GB" sz="2000" dirty="0" smtClean="0">
+              <a:rPr lang="en-GB" sz="2000" dirty="0">
                 <a:solidFill>
                   <a:srgbClr val="000000"/>
                 </a:solidFill>
@@ -4539,7 +4520,7 @@
               <a:t>We used a </a:t>
             </a:r>
             <a:r>
-              <a:rPr lang="en-GB" sz="2000" dirty="0" err="1" smtClean="0">
+              <a:rPr lang="en-GB" sz="2000" dirty="0" err="1">
                 <a:solidFill>
                   <a:srgbClr val="000000"/>
                 </a:solidFill>
@@ -4548,7 +4529,7 @@
               <a:t>Numerov</a:t>
             </a:r>
             <a:r>
-              <a:rPr lang="en-GB" sz="2000" dirty="0" smtClean="0">
+              <a:rPr lang="en-GB" sz="2000" dirty="0">
                 <a:solidFill>
                   <a:srgbClr val="000000"/>
                 </a:solidFill>
@@ -4563,7 +4544,7 @@
               <a:buChar char="•"/>
             </a:pPr>
             <a:r>
-              <a:rPr lang="en-GB" sz="2000" dirty="0" smtClean="0">
+              <a:rPr lang="en-GB" sz="2000" dirty="0">
                 <a:solidFill>
                   <a:srgbClr val="000000"/>
                 </a:solidFill>
@@ -4578,7 +4559,7 @@
               <a:buChar char="•"/>
             </a:pPr>
             <a:r>
-              <a:rPr lang="en-GB" sz="2000" dirty="0" smtClean="0">
+              <a:rPr lang="en-GB" sz="2000" dirty="0">
                 <a:solidFill>
                   <a:srgbClr val="000000"/>
                 </a:solidFill>
@@ -4587,7 +4568,7 @@
               <a:t>There are </a:t>
             </a:r>
             <a:r>
-              <a:rPr lang="en-GB" sz="2000" i="1" dirty="0" smtClean="0">
+              <a:rPr lang="en-GB" sz="2000" i="1" dirty="0">
                 <a:solidFill>
                   <a:srgbClr val="000000"/>
                 </a:solidFill>
@@ -4596,7 +4577,7 @@
               <a:t>n</a:t>
             </a:r>
             <a:r>
-              <a:rPr lang="en-GB" sz="2000" dirty="0" smtClean="0">
+              <a:rPr lang="en-GB" sz="2000" dirty="0">
                 <a:solidFill>
                   <a:srgbClr val="000000"/>
                 </a:solidFill>
@@ -4605,7 +4586,7 @@
               <a:t>-</a:t>
             </a:r>
             <a:r>
-              <a:rPr lang="en-GB" sz="2000" i="1" dirty="0" smtClean="0">
+              <a:rPr lang="en-GB" sz="2000" i="1" dirty="0">
                 <a:solidFill>
                   <a:srgbClr val="000000"/>
                 </a:solidFill>
@@ -4614,7 +4595,7 @@
               <a:t>l</a:t>
             </a:r>
             <a:r>
-              <a:rPr lang="en-GB" sz="2000" dirty="0" smtClean="0">
+              <a:rPr lang="en-GB" sz="2000" dirty="0">
                 <a:solidFill>
                   <a:srgbClr val="000000"/>
                 </a:solidFill>
@@ -4623,7 +4604,7 @@
               <a:t>-1 </a:t>
             </a:r>
             <a:r>
-              <a:rPr lang="en-GB" sz="2000" b="1" dirty="0" smtClean="0">
+              <a:rPr lang="en-GB" sz="2000" b="1" dirty="0">
                 <a:solidFill>
                   <a:srgbClr val="000000"/>
                 </a:solidFill>
@@ -4661,7 +4642,7 @@
               <a:buChar char="•"/>
             </a:pPr>
             <a:r>
-              <a:rPr lang="en-GB" sz="2000" dirty="0" smtClean="0">
+              <a:rPr lang="en-GB" sz="2000" dirty="0">
                 <a:solidFill>
                   <a:srgbClr val="000000"/>
                 </a:solidFill>
@@ -4676,7 +4657,7 @@
               <a:buChar char="•"/>
             </a:pPr>
             <a:r>
-              <a:rPr lang="en-GB" sz="2000" dirty="0" smtClean="0">
+              <a:rPr lang="en-GB" sz="2000" dirty="0">
                 <a:solidFill>
                   <a:srgbClr val="000000"/>
                 </a:solidFill>
@@ -4691,7 +4672,7 @@
               <a:buChar char="•"/>
             </a:pPr>
             <a:r>
-              <a:rPr lang="en-GB" sz="2000" dirty="0" smtClean="0">
+              <a:rPr lang="en-GB" sz="2000" dirty="0">
                 <a:solidFill>
                   <a:srgbClr val="000000"/>
                 </a:solidFill>
@@ -4700,7 +4681,7 @@
               <a:t>There are </a:t>
             </a:r>
             <a:r>
-              <a:rPr lang="en-GB" sz="2000" i="1" dirty="0" smtClean="0">
+              <a:rPr lang="en-GB" sz="2000" i="1" dirty="0">
                 <a:solidFill>
                   <a:srgbClr val="000000"/>
                 </a:solidFill>
@@ -4709,7 +4690,7 @@
               <a:t>l</a:t>
             </a:r>
             <a:r>
-              <a:rPr lang="en-GB" sz="2000" dirty="0" smtClean="0">
+              <a:rPr lang="en-GB" sz="2000" dirty="0">
                 <a:solidFill>
                   <a:srgbClr val="000000"/>
                 </a:solidFill>
@@ -4718,7 +4699,7 @@
               <a:t> </a:t>
             </a:r>
             <a:r>
-              <a:rPr lang="en-GB" sz="2000" b="1" dirty="0" smtClean="0">
+              <a:rPr lang="en-GB" sz="2000" b="1" dirty="0">
                 <a:solidFill>
                   <a:srgbClr val="000000"/>
                 </a:solidFill>
@@ -4743,7 +4724,7 @@
   <p:timing>
     <p:tnLst>
       <p:par>
-        <p:cTn xmlns:p14="http://schemas.microsoft.com/office/powerpoint/2010/main" id="1" dur="indefinite" restart="never" nodeType="tmRoot">
+        <p:cTn id="1" dur="indefinite" restart="never" nodeType="tmRoot">
           <p:childTnLst>
             <p:seq concurrent="1" nextAc="seek">
               <p:cTn id="2" dur="indefinite" nodeType="mainSeq">
@@ -5361,58 +5342,54 @@
           <a:lstStyle/>
           <a:p>
             <a:r>
-              <a:rPr lang="en-US" sz="4400" i="1" dirty="0" err="1" smtClean="0">
+              <a:rPr lang="en-US" sz="4400" i="1" dirty="0" err="1">
                 <a:latin typeface="Times New Roman"/>
                 <a:cs typeface="Times New Roman"/>
               </a:rPr>
               <a:t>R</a:t>
             </a:r>
             <a:r>
-              <a:rPr lang="en-US" sz="4400" i="1" baseline="-25000" dirty="0" err="1" smtClean="0">
+              <a:rPr lang="en-US" sz="4400" i="1" baseline="-25000" dirty="0" err="1">
                 <a:latin typeface="Times New Roman"/>
                 <a:cs typeface="Times New Roman"/>
               </a:rPr>
               <a:t>n</a:t>
             </a:r>
             <a:r>
-              <a:rPr lang="en-US" sz="4400" baseline="-25000" dirty="0" err="1" smtClean="0">
+              <a:rPr lang="en-US" sz="4400" baseline="-25000" dirty="0" err="1">
                 <a:latin typeface="Times New Roman"/>
                 <a:cs typeface="Times New Roman"/>
               </a:rPr>
               <a:t>,</a:t>
             </a:r>
             <a:r>
-              <a:rPr lang="en-US" sz="4400" i="1" baseline="-25000" dirty="0" err="1" smtClean="0">
+              <a:rPr lang="en-US" sz="4400" i="1" baseline="-25000" dirty="0" err="1">
                 <a:latin typeface="Times New Roman"/>
                 <a:cs typeface="Times New Roman"/>
               </a:rPr>
               <a:t>l</a:t>
             </a:r>
             <a:r>
-              <a:rPr lang="en-US" sz="4400" dirty="0" smtClean="0">
+              <a:rPr lang="en-US" sz="4400" dirty="0">
                 <a:latin typeface="Times New Roman"/>
                 <a:cs typeface="Times New Roman"/>
               </a:rPr>
               <a:t>(</a:t>
             </a:r>
             <a:r>
-              <a:rPr lang="en-US" sz="4400" i="1" dirty="0" smtClean="0">
+              <a:rPr lang="en-US" sz="4400" i="1" dirty="0">
                 <a:latin typeface="Times New Roman"/>
                 <a:cs typeface="Times New Roman"/>
               </a:rPr>
               <a:t>r</a:t>
             </a:r>
             <a:r>
-              <a:rPr lang="en-US" sz="4400" dirty="0" smtClean="0">
+              <a:rPr lang="en-US" sz="4400" dirty="0">
                 <a:latin typeface="Times New Roman"/>
                 <a:cs typeface="Times New Roman"/>
               </a:rPr>
               <a:t>)</a:t>
             </a:r>
-            <a:endParaRPr lang="en-US" sz="4400" dirty="0">
-              <a:latin typeface="Times New Roman"/>
-              <a:cs typeface="Times New Roman"/>
-            </a:endParaRPr>
           </a:p>
         </p:txBody>
       </p:sp>
@@ -5439,14 +5416,14 @@
           <a:lstStyle/>
           <a:p>
             <a:r>
-              <a:rPr lang="en-US" sz="3600" i="1" dirty="0" smtClean="0">
+              <a:rPr lang="en-US" sz="3600" i="1" dirty="0">
                 <a:latin typeface="Times New Roman"/>
                 <a:cs typeface="Times New Roman"/>
               </a:rPr>
               <a:t>n</a:t>
             </a:r>
             <a:r>
-              <a:rPr lang="en-US" sz="3600" dirty="0" smtClean="0">
+              <a:rPr lang="en-US" sz="3600" dirty="0">
                 <a:latin typeface="Times New Roman"/>
                 <a:cs typeface="Times New Roman"/>
               </a:rPr>
@@ -5455,23 +5432,19 @@
           </a:p>
           <a:p>
             <a:r>
-              <a:rPr lang="en-US" sz="3600" i="1" dirty="0" smtClean="0">
+              <a:rPr lang="en-US" sz="3600" i="1" dirty="0">
                 <a:latin typeface="Times New Roman"/>
                 <a:cs typeface="Times New Roman"/>
               </a:rPr>
               <a:t>l</a:t>
             </a:r>
             <a:r>
-              <a:rPr lang="en-US" sz="3600" dirty="0" smtClean="0">
+              <a:rPr lang="en-US" sz="3600" dirty="0">
                 <a:latin typeface="Times New Roman"/>
                 <a:cs typeface="Times New Roman"/>
               </a:rPr>
               <a:t> = 0</a:t>
             </a:r>
-            <a:endParaRPr lang="en-US" sz="3600" dirty="0">
-              <a:latin typeface="Times New Roman"/>
-              <a:cs typeface="Times New Roman"/>
-            </a:endParaRPr>
           </a:p>
         </p:txBody>
       </p:sp>
@@ -5498,44 +5471,40 @@
           <a:lstStyle/>
           <a:p>
             <a:r>
-              <a:rPr lang="en-US" sz="3600" i="1" dirty="0" smtClean="0">
+              <a:rPr lang="en-US" sz="3600" i="1" dirty="0">
                 <a:latin typeface="Times New Roman"/>
                 <a:cs typeface="Times New Roman"/>
               </a:rPr>
               <a:t>R</a:t>
             </a:r>
             <a:r>
-              <a:rPr lang="en-US" sz="3600" baseline="-25000" dirty="0" smtClean="0">
+              <a:rPr lang="en-US" sz="3600" baseline="-25000" dirty="0">
                 <a:latin typeface="Times New Roman"/>
                 <a:cs typeface="Times New Roman"/>
               </a:rPr>
               <a:t>1,0</a:t>
             </a:r>
             <a:r>
-              <a:rPr lang="en-US" sz="3600" dirty="0" smtClean="0">
+              <a:rPr lang="en-US" sz="3600" dirty="0">
                 <a:latin typeface="Times New Roman"/>
                 <a:cs typeface="Times New Roman"/>
               </a:rPr>
               <a:t>(</a:t>
             </a:r>
             <a:r>
-              <a:rPr lang="en-US" sz="3600" i="1" dirty="0" smtClean="0">
+              <a:rPr lang="en-US" sz="3600" i="1" dirty="0">
                 <a:latin typeface="Times New Roman"/>
                 <a:cs typeface="Times New Roman"/>
               </a:rPr>
               <a:t>r</a:t>
             </a:r>
             <a:r>
-              <a:rPr lang="en-US" sz="3600" dirty="0" smtClean="0">
+              <a:rPr lang="en-US" sz="3600" dirty="0">
                 <a:latin typeface="Times New Roman"/>
                 <a:cs typeface="Times New Roman"/>
               </a:rPr>
               <a:t>)</a:t>
             </a:r>
-            <a:endParaRPr lang="en-US" sz="3600" dirty="0">
-              <a:latin typeface="Times New Roman"/>
-              <a:cs typeface="Times New Roman"/>
-            </a:endParaRPr>
           </a:p>
         </p:txBody>
       </p:sp>
@@ -5576,37 +5545,33 @@
               <a:t>2</a:t>
             </a:r>
             <a:r>
-              <a:rPr lang="en-US" sz="3600" i="1" dirty="0" smtClean="0">
+              <a:rPr lang="en-US" sz="3600" i="1" dirty="0">
                 <a:latin typeface="Times New Roman"/>
                 <a:cs typeface="Times New Roman"/>
               </a:rPr>
               <a:t>|R</a:t>
             </a:r>
             <a:r>
-              <a:rPr lang="en-US" sz="3600" baseline="-25000" dirty="0" smtClean="0">
+              <a:rPr lang="en-US" sz="3600" baseline="-25000" dirty="0">
                 <a:latin typeface="Times New Roman"/>
                 <a:cs typeface="Times New Roman"/>
               </a:rPr>
               <a:t>1,0</a:t>
             </a:r>
             <a:r>
-              <a:rPr lang="en-US" sz="3600" dirty="0" smtClean="0">
+              <a:rPr lang="en-US" sz="3600" dirty="0">
                 <a:latin typeface="Times New Roman"/>
                 <a:cs typeface="Times New Roman"/>
               </a:rPr>
               <a:t>|</a:t>
             </a:r>
             <a:r>
-              <a:rPr lang="en-US" sz="3600" baseline="30000" dirty="0" smtClean="0">
+              <a:rPr lang="en-US" sz="3600" baseline="30000" dirty="0">
                 <a:latin typeface="Times New Roman"/>
                 <a:cs typeface="Times New Roman"/>
               </a:rPr>
               <a:t>2</a:t>
             </a:r>
-            <a:endParaRPr lang="en-US" sz="3600" baseline="30000" dirty="0">
-              <a:latin typeface="Times New Roman"/>
-              <a:cs typeface="Times New Roman"/>
-            </a:endParaRPr>
           </a:p>
         </p:txBody>
       </p:sp>
@@ -5698,13 +5663,6 @@
   <p:clrMapOvr>
     <a:masterClrMapping/>
   </p:clrMapOvr>
-  <p:timing>
-    <p:tnLst>
-      <p:par>
-        <p:cTn xmlns:p14="http://schemas.microsoft.com/office/powerpoint/2010/main" id="1" dur="indefinite" restart="never" nodeType="tmRoot"/>
-      </p:par>
-    </p:tnLst>
-  </p:timing>
 </p:sld>
 </file>
 
@@ -5780,58 +5738,54 @@
           <a:lstStyle/>
           <a:p>
             <a:r>
-              <a:rPr lang="en-US" sz="4400" i="1" dirty="0" err="1" smtClean="0">
+              <a:rPr lang="en-US" sz="4400" i="1" dirty="0" err="1">
                 <a:latin typeface="Times New Roman"/>
                 <a:cs typeface="Times New Roman"/>
               </a:rPr>
               <a:t>R</a:t>
             </a:r>
             <a:r>
-              <a:rPr lang="en-US" sz="4400" i="1" baseline="-25000" dirty="0" err="1" smtClean="0">
+              <a:rPr lang="en-US" sz="4400" i="1" baseline="-25000" dirty="0" err="1">
                 <a:latin typeface="Times New Roman"/>
                 <a:cs typeface="Times New Roman"/>
               </a:rPr>
               <a:t>n</a:t>
             </a:r>
             <a:r>
-              <a:rPr lang="en-US" sz="4400" baseline="-25000" dirty="0" err="1" smtClean="0">
+              <a:rPr lang="en-US" sz="4400" baseline="-25000" dirty="0" err="1">
                 <a:latin typeface="Times New Roman"/>
                 <a:cs typeface="Times New Roman"/>
               </a:rPr>
               <a:t>,</a:t>
             </a:r>
             <a:r>
-              <a:rPr lang="en-US" sz="4400" i="1" baseline="-25000" dirty="0" err="1" smtClean="0">
+              <a:rPr lang="en-US" sz="4400" i="1" baseline="-25000" dirty="0" err="1">
                 <a:latin typeface="Times New Roman"/>
                 <a:cs typeface="Times New Roman"/>
               </a:rPr>
               <a:t>l</a:t>
             </a:r>
             <a:r>
-              <a:rPr lang="en-US" sz="4400" dirty="0" smtClean="0">
+              <a:rPr lang="en-US" sz="4400" dirty="0">
                 <a:latin typeface="Times New Roman"/>
                 <a:cs typeface="Times New Roman"/>
               </a:rPr>
               <a:t>(</a:t>
             </a:r>
             <a:r>
-              <a:rPr lang="en-US" sz="4400" i="1" dirty="0" smtClean="0">
+              <a:rPr lang="en-US" sz="4400" i="1" dirty="0">
                 <a:latin typeface="Times New Roman"/>
                 <a:cs typeface="Times New Roman"/>
               </a:rPr>
               <a:t>r</a:t>
             </a:r>
             <a:r>
-              <a:rPr lang="en-US" sz="4400" dirty="0" smtClean="0">
+              <a:rPr lang="en-US" sz="4400" dirty="0">
                 <a:latin typeface="Times New Roman"/>
                 <a:cs typeface="Times New Roman"/>
               </a:rPr>
               <a:t>)</a:t>
             </a:r>
-            <a:endParaRPr lang="en-US" sz="4400" dirty="0">
-              <a:latin typeface="Times New Roman"/>
-              <a:cs typeface="Times New Roman"/>
-            </a:endParaRPr>
           </a:p>
         </p:txBody>
       </p:sp>
@@ -5858,14 +5812,14 @@
           <a:lstStyle/>
           <a:p>
             <a:r>
-              <a:rPr lang="en-US" sz="3600" i="1" dirty="0" smtClean="0">
+              <a:rPr lang="en-US" sz="3600" i="1" dirty="0">
                 <a:latin typeface="Times New Roman"/>
                 <a:cs typeface="Times New Roman"/>
               </a:rPr>
               <a:t>n</a:t>
             </a:r>
             <a:r>
-              <a:rPr lang="en-US" sz="3600" dirty="0" smtClean="0">
+              <a:rPr lang="en-US" sz="3600" dirty="0">
                 <a:latin typeface="Times New Roman"/>
                 <a:cs typeface="Times New Roman"/>
               </a:rPr>
@@ -5874,23 +5828,19 @@
           </a:p>
           <a:p>
             <a:r>
-              <a:rPr lang="en-US" sz="3600" i="1" dirty="0" smtClean="0">
+              <a:rPr lang="en-US" sz="3600" i="1" dirty="0">
                 <a:latin typeface="Times New Roman"/>
                 <a:cs typeface="Times New Roman"/>
               </a:rPr>
               <a:t>l</a:t>
             </a:r>
             <a:r>
-              <a:rPr lang="en-US" sz="3600" dirty="0" smtClean="0">
+              <a:rPr lang="en-US" sz="3600" dirty="0">
                 <a:latin typeface="Times New Roman"/>
                 <a:cs typeface="Times New Roman"/>
               </a:rPr>
               <a:t> = 0</a:t>
             </a:r>
-            <a:endParaRPr lang="en-US" sz="3600" dirty="0">
-              <a:latin typeface="Times New Roman"/>
-              <a:cs typeface="Times New Roman"/>
-            </a:endParaRPr>
           </a:p>
         </p:txBody>
       </p:sp>
@@ -5917,7 +5867,7 @@
           <a:lstStyle/>
           <a:p>
             <a:r>
-              <a:rPr lang="en-US" sz="3600" i="1" dirty="0" smtClean="0">
+              <a:rPr lang="en-US" sz="3600" i="1" dirty="0">
                 <a:latin typeface="Times New Roman"/>
                 <a:cs typeface="Times New Roman"/>
               </a:rPr>
@@ -5928,40 +5878,29 @@
                 <a:latin typeface="Times New Roman"/>
                 <a:cs typeface="Times New Roman"/>
               </a:rPr>
-              <a:t>2</a:t>
-            </a:r>
-            <a:r>
-              <a:rPr lang="en-US" sz="3600" baseline="-25000" dirty="0" smtClean="0">
+              <a:t>2,0</a:t>
+            </a:r>
+            <a:r>
+              <a:rPr lang="en-US" sz="3600" dirty="0">
                 <a:latin typeface="Times New Roman"/>
                 <a:cs typeface="Times New Roman"/>
               </a:rPr>
-              <a:t>,0</a:t>
-            </a:r>
-            <a:r>
-              <a:rPr lang="en-US" sz="3600" dirty="0" smtClean="0">
+              <a:t>(</a:t>
+            </a:r>
+            <a:r>
+              <a:rPr lang="en-US" sz="3600" i="1" dirty="0">
                 <a:latin typeface="Times New Roman"/>
                 <a:cs typeface="Times New Roman"/>
               </a:rPr>
-              <a:t>(</a:t>
-            </a:r>
-            <a:r>
-              <a:rPr lang="en-US" sz="3600" i="1" dirty="0" smtClean="0">
+              <a:t>r</a:t>
+            </a:r>
+            <a:r>
+              <a:rPr lang="en-US" sz="3600" dirty="0">
                 <a:latin typeface="Times New Roman"/>
                 <a:cs typeface="Times New Roman"/>
               </a:rPr>
-              <a:t>r</a:t>
-            </a:r>
-            <a:r>
-              <a:rPr lang="en-US" sz="3600" dirty="0" smtClean="0">
-                <a:latin typeface="Times New Roman"/>
-                <a:cs typeface="Times New Roman"/>
-              </a:rPr>
               <a:t>)</a:t>
             </a:r>
-            <a:endParaRPr lang="en-US" sz="3600" dirty="0">
-              <a:latin typeface="Times New Roman"/>
-              <a:cs typeface="Times New Roman"/>
-            </a:endParaRPr>
           </a:p>
         </p:txBody>
       </p:sp>
@@ -6002,37 +5941,33 @@
               <a:t>2</a:t>
             </a:r>
             <a:r>
-              <a:rPr lang="en-US" sz="3600" i="1" dirty="0" smtClean="0">
+              <a:rPr lang="en-US" sz="3600" i="1" dirty="0">
                 <a:latin typeface="Times New Roman"/>
                 <a:cs typeface="Times New Roman"/>
               </a:rPr>
               <a:t>|R</a:t>
             </a:r>
             <a:r>
-              <a:rPr lang="en-US" sz="3600" baseline="-25000" dirty="0" smtClean="0">
+              <a:rPr lang="en-US" sz="3600" baseline="-25000" dirty="0">
                 <a:latin typeface="Times New Roman"/>
                 <a:cs typeface="Times New Roman"/>
               </a:rPr>
               <a:t>2,0</a:t>
             </a:r>
             <a:r>
-              <a:rPr lang="en-US" sz="3600" dirty="0" smtClean="0">
+              <a:rPr lang="en-US" sz="3600" dirty="0">
                 <a:latin typeface="Times New Roman"/>
                 <a:cs typeface="Times New Roman"/>
               </a:rPr>
               <a:t>|</a:t>
             </a:r>
             <a:r>
-              <a:rPr lang="en-US" sz="3600" baseline="30000" dirty="0" smtClean="0">
+              <a:rPr lang="en-US" sz="3600" baseline="30000" dirty="0">
                 <a:latin typeface="Times New Roman"/>
                 <a:cs typeface="Times New Roman"/>
               </a:rPr>
               <a:t>2</a:t>
             </a:r>
-            <a:endParaRPr lang="en-US" sz="3600" baseline="30000" dirty="0">
-              <a:latin typeface="Times New Roman"/>
-              <a:cs typeface="Times New Roman"/>
-            </a:endParaRPr>
           </a:p>
         </p:txBody>
       </p:sp>
@@ -6124,13 +6059,6 @@
   <p:clrMapOvr>
     <a:masterClrMapping/>
   </p:clrMapOvr>
-  <p:timing>
-    <p:tnLst>
-      <p:par>
-        <p:cTn xmlns:p14="http://schemas.microsoft.com/office/powerpoint/2010/main" id="1" dur="indefinite" restart="never" nodeType="tmRoot"/>
-      </p:par>
-    </p:tnLst>
-  </p:timing>
 </p:sld>
 </file>
 
@@ -6206,58 +6134,54 @@
           <a:lstStyle/>
           <a:p>
             <a:r>
-              <a:rPr lang="en-US" sz="4400" i="1" dirty="0" err="1" smtClean="0">
+              <a:rPr lang="en-US" sz="4400" i="1" dirty="0" err="1">
                 <a:latin typeface="Times New Roman"/>
                 <a:cs typeface="Times New Roman"/>
               </a:rPr>
               <a:t>R</a:t>
             </a:r>
             <a:r>
-              <a:rPr lang="en-US" sz="4400" i="1" baseline="-25000" dirty="0" err="1" smtClean="0">
+              <a:rPr lang="en-US" sz="4400" i="1" baseline="-25000" dirty="0" err="1">
                 <a:latin typeface="Times New Roman"/>
                 <a:cs typeface="Times New Roman"/>
               </a:rPr>
               <a:t>n</a:t>
             </a:r>
             <a:r>
-              <a:rPr lang="en-US" sz="4400" baseline="-25000" dirty="0" err="1" smtClean="0">
+              <a:rPr lang="en-US" sz="4400" baseline="-25000" dirty="0" err="1">
                 <a:latin typeface="Times New Roman"/>
                 <a:cs typeface="Times New Roman"/>
               </a:rPr>
               <a:t>,</a:t>
             </a:r>
             <a:r>
-              <a:rPr lang="en-US" sz="4400" i="1" baseline="-25000" dirty="0" err="1" smtClean="0">
+              <a:rPr lang="en-US" sz="4400" i="1" baseline="-25000" dirty="0" err="1">
                 <a:latin typeface="Times New Roman"/>
                 <a:cs typeface="Times New Roman"/>
               </a:rPr>
               <a:t>l</a:t>
             </a:r>
             <a:r>
-              <a:rPr lang="en-US" sz="4400" dirty="0" smtClean="0">
+              <a:rPr lang="en-US" sz="4400" dirty="0">
                 <a:latin typeface="Times New Roman"/>
                 <a:cs typeface="Times New Roman"/>
               </a:rPr>
               <a:t>(</a:t>
             </a:r>
             <a:r>
-              <a:rPr lang="en-US" sz="4400" i="1" dirty="0" smtClean="0">
+              <a:rPr lang="en-US" sz="4400" i="1" dirty="0">
                 <a:latin typeface="Times New Roman"/>
                 <a:cs typeface="Times New Roman"/>
               </a:rPr>
               <a:t>r</a:t>
             </a:r>
             <a:r>
-              <a:rPr lang="en-US" sz="4400" dirty="0" smtClean="0">
+              <a:rPr lang="en-US" sz="4400" dirty="0">
                 <a:latin typeface="Times New Roman"/>
                 <a:cs typeface="Times New Roman"/>
               </a:rPr>
               <a:t>)</a:t>
             </a:r>
-            <a:endParaRPr lang="en-US" sz="4400" dirty="0">
-              <a:latin typeface="Times New Roman"/>
-              <a:cs typeface="Times New Roman"/>
-            </a:endParaRPr>
           </a:p>
         </p:txBody>
       </p:sp>
@@ -6284,14 +6208,14 @@
           <a:lstStyle/>
           <a:p>
             <a:r>
-              <a:rPr lang="en-US" sz="3600" i="1" dirty="0" smtClean="0">
+              <a:rPr lang="en-US" sz="3600" i="1" dirty="0">
                 <a:latin typeface="Times New Roman"/>
                 <a:cs typeface="Times New Roman"/>
               </a:rPr>
               <a:t>n</a:t>
             </a:r>
             <a:r>
-              <a:rPr lang="en-US" sz="3600" dirty="0" smtClean="0">
+              <a:rPr lang="en-US" sz="3600" dirty="0">
                 <a:latin typeface="Times New Roman"/>
                 <a:cs typeface="Times New Roman"/>
               </a:rPr>
@@ -6300,23 +6224,19 @@
           </a:p>
           <a:p>
             <a:r>
-              <a:rPr lang="en-US" sz="3600" i="1" dirty="0" smtClean="0">
+              <a:rPr lang="en-US" sz="3600" i="1" dirty="0">
                 <a:latin typeface="Times New Roman"/>
                 <a:cs typeface="Times New Roman"/>
               </a:rPr>
               <a:t>l</a:t>
             </a:r>
             <a:r>
-              <a:rPr lang="en-US" sz="3600" dirty="0" smtClean="0">
+              <a:rPr lang="en-US" sz="3600" dirty="0">
                 <a:latin typeface="Times New Roman"/>
                 <a:cs typeface="Times New Roman"/>
               </a:rPr>
               <a:t> = 1</a:t>
             </a:r>
-            <a:endParaRPr lang="en-US" sz="3600" dirty="0">
-              <a:latin typeface="Times New Roman"/>
-              <a:cs typeface="Times New Roman"/>
-            </a:endParaRPr>
           </a:p>
         </p:txBody>
       </p:sp>
@@ -6343,44 +6263,40 @@
           <a:lstStyle/>
           <a:p>
             <a:r>
-              <a:rPr lang="en-US" sz="3600" i="1" dirty="0" smtClean="0">
+              <a:rPr lang="en-US" sz="3600" i="1" dirty="0">
                 <a:latin typeface="Times New Roman"/>
                 <a:cs typeface="Times New Roman"/>
               </a:rPr>
               <a:t>R</a:t>
             </a:r>
             <a:r>
-              <a:rPr lang="en-US" sz="3600" baseline="-25000" dirty="0" smtClean="0">
+              <a:rPr lang="en-US" sz="3600" baseline="-25000" dirty="0">
                 <a:latin typeface="Times New Roman"/>
                 <a:cs typeface="Times New Roman"/>
               </a:rPr>
               <a:t>2,1</a:t>
             </a:r>
             <a:r>
-              <a:rPr lang="en-US" sz="3600" dirty="0" smtClean="0">
+              <a:rPr lang="en-US" sz="3600" dirty="0">
                 <a:latin typeface="Times New Roman"/>
                 <a:cs typeface="Times New Roman"/>
               </a:rPr>
               <a:t>(</a:t>
             </a:r>
             <a:r>
-              <a:rPr lang="en-US" sz="3600" i="1" dirty="0" smtClean="0">
+              <a:rPr lang="en-US" sz="3600" i="1" dirty="0">
                 <a:latin typeface="Times New Roman"/>
                 <a:cs typeface="Times New Roman"/>
               </a:rPr>
               <a:t>r</a:t>
             </a:r>
             <a:r>
-              <a:rPr lang="en-US" sz="3600" dirty="0" smtClean="0">
+              <a:rPr lang="en-US" sz="3600" dirty="0">
                 <a:latin typeface="Times New Roman"/>
                 <a:cs typeface="Times New Roman"/>
               </a:rPr>
               <a:t>)</a:t>
             </a:r>
-            <a:endParaRPr lang="en-US" sz="3600" dirty="0">
-              <a:latin typeface="Times New Roman"/>
-              <a:cs typeface="Times New Roman"/>
-            </a:endParaRPr>
           </a:p>
         </p:txBody>
       </p:sp>
@@ -6421,37 +6337,33 @@
               <a:t>2</a:t>
             </a:r>
             <a:r>
-              <a:rPr lang="en-US" sz="3600" i="1" dirty="0" smtClean="0">
+              <a:rPr lang="en-US" sz="3600" i="1" dirty="0">
                 <a:latin typeface="Times New Roman"/>
                 <a:cs typeface="Times New Roman"/>
               </a:rPr>
               <a:t>|R</a:t>
             </a:r>
             <a:r>
-              <a:rPr lang="en-US" sz="3600" baseline="-25000" dirty="0" smtClean="0">
+              <a:rPr lang="en-US" sz="3600" baseline="-25000" dirty="0">
                 <a:latin typeface="Times New Roman"/>
                 <a:cs typeface="Times New Roman"/>
               </a:rPr>
               <a:t>2,1</a:t>
             </a:r>
             <a:r>
-              <a:rPr lang="en-US" sz="3600" dirty="0" smtClean="0">
+              <a:rPr lang="en-US" sz="3600" dirty="0">
                 <a:latin typeface="Times New Roman"/>
                 <a:cs typeface="Times New Roman"/>
               </a:rPr>
               <a:t>|</a:t>
             </a:r>
             <a:r>
-              <a:rPr lang="en-US" sz="3600" baseline="30000" dirty="0" smtClean="0">
+              <a:rPr lang="en-US" sz="3600" baseline="30000" dirty="0">
                 <a:latin typeface="Times New Roman"/>
                 <a:cs typeface="Times New Roman"/>
               </a:rPr>
               <a:t>2</a:t>
             </a:r>
-            <a:endParaRPr lang="en-US" sz="3600" baseline="30000" dirty="0">
-              <a:latin typeface="Times New Roman"/>
-              <a:cs typeface="Times New Roman"/>
-            </a:endParaRPr>
           </a:p>
         </p:txBody>
       </p:sp>
@@ -6513,13 +6425,6 @@
   <p:clrMapOvr>
     <a:masterClrMapping/>
   </p:clrMapOvr>
-  <p:timing>
-    <p:tnLst>
-      <p:par>
-        <p:cTn xmlns:p14="http://schemas.microsoft.com/office/powerpoint/2010/main" id="1" dur="indefinite" restart="never" nodeType="tmRoot"/>
-      </p:par>
-    </p:tnLst>
-  </p:timing>
 </p:sld>
 </file>
 
@@ -6595,58 +6500,54 @@
           <a:lstStyle/>
           <a:p>
             <a:r>
-              <a:rPr lang="en-US" sz="4400" i="1" dirty="0" err="1" smtClean="0">
+              <a:rPr lang="en-US" sz="4400" i="1" dirty="0" err="1">
                 <a:latin typeface="Times New Roman"/>
                 <a:cs typeface="Times New Roman"/>
               </a:rPr>
               <a:t>R</a:t>
             </a:r>
             <a:r>
-              <a:rPr lang="en-US" sz="4400" i="1" baseline="-25000" dirty="0" err="1" smtClean="0">
+              <a:rPr lang="en-US" sz="4400" i="1" baseline="-25000" dirty="0" err="1">
                 <a:latin typeface="Times New Roman"/>
                 <a:cs typeface="Times New Roman"/>
               </a:rPr>
               <a:t>n</a:t>
             </a:r>
             <a:r>
-              <a:rPr lang="en-US" sz="4400" baseline="-25000" dirty="0" err="1" smtClean="0">
+              <a:rPr lang="en-US" sz="4400" baseline="-25000" dirty="0" err="1">
                 <a:latin typeface="Times New Roman"/>
                 <a:cs typeface="Times New Roman"/>
               </a:rPr>
               <a:t>,</a:t>
             </a:r>
             <a:r>
-              <a:rPr lang="en-US" sz="4400" i="1" baseline="-25000" dirty="0" err="1" smtClean="0">
+              <a:rPr lang="en-US" sz="4400" i="1" baseline="-25000" dirty="0" err="1">
                 <a:latin typeface="Times New Roman"/>
                 <a:cs typeface="Times New Roman"/>
               </a:rPr>
               <a:t>l</a:t>
             </a:r>
             <a:r>
-              <a:rPr lang="en-US" sz="4400" dirty="0" smtClean="0">
+              <a:rPr lang="en-US" sz="4400" dirty="0">
                 <a:latin typeface="Times New Roman"/>
                 <a:cs typeface="Times New Roman"/>
               </a:rPr>
               <a:t>(</a:t>
             </a:r>
             <a:r>
-              <a:rPr lang="en-US" sz="4400" i="1" dirty="0" smtClean="0">
+              <a:rPr lang="en-US" sz="4400" i="1" dirty="0">
                 <a:latin typeface="Times New Roman"/>
                 <a:cs typeface="Times New Roman"/>
               </a:rPr>
               <a:t>r</a:t>
             </a:r>
             <a:r>
-              <a:rPr lang="en-US" sz="4400" dirty="0" smtClean="0">
+              <a:rPr lang="en-US" sz="4400" dirty="0">
                 <a:latin typeface="Times New Roman"/>
                 <a:cs typeface="Times New Roman"/>
               </a:rPr>
               <a:t>)</a:t>
             </a:r>
-            <a:endParaRPr lang="en-US" sz="4400" dirty="0">
-              <a:latin typeface="Times New Roman"/>
-              <a:cs typeface="Times New Roman"/>
-            </a:endParaRPr>
           </a:p>
         </p:txBody>
       </p:sp>
@@ -6673,14 +6574,14 @@
           <a:lstStyle/>
           <a:p>
             <a:r>
-              <a:rPr lang="en-US" sz="3600" i="1" dirty="0" smtClean="0">
+              <a:rPr lang="en-US" sz="3600" i="1" dirty="0">
                 <a:latin typeface="Times New Roman"/>
                 <a:cs typeface="Times New Roman"/>
               </a:rPr>
               <a:t>n</a:t>
             </a:r>
             <a:r>
-              <a:rPr lang="en-US" sz="3600" dirty="0" smtClean="0">
+              <a:rPr lang="en-US" sz="3600" dirty="0">
                 <a:latin typeface="Times New Roman"/>
                 <a:cs typeface="Times New Roman"/>
               </a:rPr>
@@ -6689,23 +6590,19 @@
           </a:p>
           <a:p>
             <a:r>
-              <a:rPr lang="en-US" sz="3600" i="1" dirty="0" smtClean="0">
+              <a:rPr lang="en-US" sz="3600" i="1" dirty="0">
                 <a:latin typeface="Times New Roman"/>
                 <a:cs typeface="Times New Roman"/>
               </a:rPr>
               <a:t>l</a:t>
             </a:r>
             <a:r>
-              <a:rPr lang="en-US" sz="3600" dirty="0" smtClean="0">
+              <a:rPr lang="en-US" sz="3600" dirty="0">
                 <a:latin typeface="Times New Roman"/>
                 <a:cs typeface="Times New Roman"/>
               </a:rPr>
               <a:t> = 0</a:t>
             </a:r>
-            <a:endParaRPr lang="en-US" sz="3600" dirty="0">
-              <a:latin typeface="Times New Roman"/>
-              <a:cs typeface="Times New Roman"/>
-            </a:endParaRPr>
           </a:p>
         </p:txBody>
       </p:sp>
@@ -6732,44 +6629,40 @@
           <a:lstStyle/>
           <a:p>
             <a:r>
-              <a:rPr lang="en-US" sz="3600" i="1" dirty="0" smtClean="0">
+              <a:rPr lang="en-US" sz="3600" i="1" dirty="0">
                 <a:latin typeface="Times New Roman"/>
                 <a:cs typeface="Times New Roman"/>
               </a:rPr>
               <a:t>R</a:t>
             </a:r>
             <a:r>
-              <a:rPr lang="en-US" sz="3600" baseline="-25000" dirty="0" smtClean="0">
+              <a:rPr lang="en-US" sz="3600" baseline="-25000" dirty="0">
                 <a:latin typeface="Times New Roman"/>
                 <a:cs typeface="Times New Roman"/>
               </a:rPr>
               <a:t>3,0</a:t>
             </a:r>
             <a:r>
-              <a:rPr lang="en-US" sz="3600" dirty="0" smtClean="0">
+              <a:rPr lang="en-US" sz="3600" dirty="0">
                 <a:latin typeface="Times New Roman"/>
                 <a:cs typeface="Times New Roman"/>
               </a:rPr>
               <a:t>(</a:t>
             </a:r>
             <a:r>
-              <a:rPr lang="en-US" sz="3600" i="1" dirty="0" smtClean="0">
+              <a:rPr lang="en-US" sz="3600" i="1" dirty="0">
                 <a:latin typeface="Times New Roman"/>
                 <a:cs typeface="Times New Roman"/>
               </a:rPr>
               <a:t>r</a:t>
             </a:r>
             <a:r>
-              <a:rPr lang="en-US" sz="3600" dirty="0" smtClean="0">
+              <a:rPr lang="en-US" sz="3600" dirty="0">
                 <a:latin typeface="Times New Roman"/>
                 <a:cs typeface="Times New Roman"/>
               </a:rPr>
               <a:t>)</a:t>
             </a:r>
-            <a:endParaRPr lang="en-US" sz="3600" dirty="0">
-              <a:latin typeface="Times New Roman"/>
-              <a:cs typeface="Times New Roman"/>
-            </a:endParaRPr>
           </a:p>
         </p:txBody>
       </p:sp>
@@ -6810,37 +6703,33 @@
               <a:t>2</a:t>
             </a:r>
             <a:r>
-              <a:rPr lang="en-US" sz="3600" i="1" dirty="0" smtClean="0">
+              <a:rPr lang="en-US" sz="3600" i="1" dirty="0">
                 <a:latin typeface="Times New Roman"/>
                 <a:cs typeface="Times New Roman"/>
               </a:rPr>
               <a:t>|R</a:t>
             </a:r>
             <a:r>
-              <a:rPr lang="en-US" sz="3600" baseline="-25000" dirty="0" smtClean="0">
+              <a:rPr lang="en-US" sz="3600" baseline="-25000" dirty="0">
                 <a:latin typeface="Times New Roman"/>
                 <a:cs typeface="Times New Roman"/>
               </a:rPr>
               <a:t>3,0</a:t>
             </a:r>
             <a:r>
-              <a:rPr lang="en-US" sz="3600" dirty="0" smtClean="0">
+              <a:rPr lang="en-US" sz="3600" dirty="0">
                 <a:latin typeface="Times New Roman"/>
                 <a:cs typeface="Times New Roman"/>
               </a:rPr>
               <a:t>|</a:t>
             </a:r>
             <a:r>
-              <a:rPr lang="en-US" sz="3600" baseline="30000" dirty="0" smtClean="0">
+              <a:rPr lang="en-US" sz="3600" baseline="30000" dirty="0">
                 <a:latin typeface="Times New Roman"/>
                 <a:cs typeface="Times New Roman"/>
               </a:rPr>
               <a:t>2</a:t>
             </a:r>
-            <a:endParaRPr lang="en-US" sz="3600" baseline="30000" dirty="0">
-              <a:latin typeface="Times New Roman"/>
-              <a:cs typeface="Times New Roman"/>
-            </a:endParaRPr>
           </a:p>
         </p:txBody>
       </p:sp>
@@ -6932,13 +6821,6 @@
   <p:clrMapOvr>
     <a:masterClrMapping/>
   </p:clrMapOvr>
-  <p:timing>
-    <p:tnLst>
-      <p:par>
-        <p:cTn xmlns:p14="http://schemas.microsoft.com/office/powerpoint/2010/main" id="1" dur="indefinite" restart="never" nodeType="tmRoot"/>
-      </p:par>
-    </p:tnLst>
-  </p:timing>
 </p:sld>
 </file>
 
@@ -7014,58 +6896,54 @@
           <a:lstStyle/>
           <a:p>
             <a:r>
-              <a:rPr lang="en-US" sz="4400" i="1" dirty="0" err="1" smtClean="0">
+              <a:rPr lang="en-US" sz="4400" i="1" dirty="0" err="1">
                 <a:latin typeface="Times New Roman"/>
                 <a:cs typeface="Times New Roman"/>
               </a:rPr>
               <a:t>R</a:t>
             </a:r>
             <a:r>
-              <a:rPr lang="en-US" sz="4400" i="1" baseline="-25000" dirty="0" err="1" smtClean="0">
+              <a:rPr lang="en-US" sz="4400" i="1" baseline="-25000" dirty="0" err="1">
                 <a:latin typeface="Times New Roman"/>
                 <a:cs typeface="Times New Roman"/>
               </a:rPr>
               <a:t>n</a:t>
             </a:r>
             <a:r>
-              <a:rPr lang="en-US" sz="4400" baseline="-25000" dirty="0" err="1" smtClean="0">
+              <a:rPr lang="en-US" sz="4400" baseline="-25000" dirty="0" err="1">
                 <a:latin typeface="Times New Roman"/>
                 <a:cs typeface="Times New Roman"/>
               </a:rPr>
               <a:t>,</a:t>
             </a:r>
             <a:r>
-              <a:rPr lang="en-US" sz="4400" i="1" baseline="-25000" dirty="0" err="1" smtClean="0">
+              <a:rPr lang="en-US" sz="4400" i="1" baseline="-25000" dirty="0" err="1">
                 <a:latin typeface="Times New Roman"/>
                 <a:cs typeface="Times New Roman"/>
               </a:rPr>
               <a:t>l</a:t>
             </a:r>
             <a:r>
-              <a:rPr lang="en-US" sz="4400" dirty="0" smtClean="0">
+              <a:rPr lang="en-US" sz="4400" dirty="0">
                 <a:latin typeface="Times New Roman"/>
                 <a:cs typeface="Times New Roman"/>
               </a:rPr>
               <a:t>(</a:t>
             </a:r>
             <a:r>
-              <a:rPr lang="en-US" sz="4400" i="1" dirty="0" smtClean="0">
+              <a:rPr lang="en-US" sz="4400" i="1" dirty="0">
                 <a:latin typeface="Times New Roman"/>
                 <a:cs typeface="Times New Roman"/>
               </a:rPr>
               <a:t>r</a:t>
             </a:r>
             <a:r>
-              <a:rPr lang="en-US" sz="4400" dirty="0" smtClean="0">
+              <a:rPr lang="en-US" sz="4400" dirty="0">
                 <a:latin typeface="Times New Roman"/>
                 <a:cs typeface="Times New Roman"/>
               </a:rPr>
               <a:t>)</a:t>
             </a:r>
-            <a:endParaRPr lang="en-US" sz="4400" dirty="0">
-              <a:latin typeface="Times New Roman"/>
-              <a:cs typeface="Times New Roman"/>
-            </a:endParaRPr>
           </a:p>
         </p:txBody>
       </p:sp>
@@ -7092,14 +6970,14 @@
           <a:lstStyle/>
           <a:p>
             <a:r>
-              <a:rPr lang="en-US" sz="3600" i="1" dirty="0" smtClean="0">
+              <a:rPr lang="en-US" sz="3600" i="1" dirty="0">
                 <a:latin typeface="Times New Roman"/>
                 <a:cs typeface="Times New Roman"/>
               </a:rPr>
               <a:t>n</a:t>
             </a:r>
             <a:r>
-              <a:rPr lang="en-US" sz="3600" dirty="0" smtClean="0">
+              <a:rPr lang="en-US" sz="3600" dirty="0">
                 <a:latin typeface="Times New Roman"/>
                 <a:cs typeface="Times New Roman"/>
               </a:rPr>
@@ -7108,23 +6986,19 @@
           </a:p>
           <a:p>
             <a:r>
-              <a:rPr lang="en-US" sz="3600" i="1" dirty="0" smtClean="0">
+              <a:rPr lang="en-US" sz="3600" i="1" dirty="0">
                 <a:latin typeface="Times New Roman"/>
                 <a:cs typeface="Times New Roman"/>
               </a:rPr>
               <a:t>l</a:t>
             </a:r>
             <a:r>
-              <a:rPr lang="en-US" sz="3600" dirty="0" smtClean="0">
+              <a:rPr lang="en-US" sz="3600" dirty="0">
                 <a:latin typeface="Times New Roman"/>
                 <a:cs typeface="Times New Roman"/>
               </a:rPr>
               <a:t> = 1</a:t>
             </a:r>
-            <a:endParaRPr lang="en-US" sz="3600" dirty="0">
-              <a:latin typeface="Times New Roman"/>
-              <a:cs typeface="Times New Roman"/>
-            </a:endParaRPr>
           </a:p>
         </p:txBody>
       </p:sp>
@@ -7151,44 +7025,40 @@
           <a:lstStyle/>
           <a:p>
             <a:r>
-              <a:rPr lang="en-US" sz="3600" i="1" dirty="0" smtClean="0">
+              <a:rPr lang="en-US" sz="3600" i="1" dirty="0">
                 <a:latin typeface="Times New Roman"/>
                 <a:cs typeface="Times New Roman"/>
               </a:rPr>
               <a:t>R</a:t>
             </a:r>
             <a:r>
-              <a:rPr lang="en-US" sz="3600" baseline="-25000" dirty="0" smtClean="0">
+              <a:rPr lang="en-US" sz="3600" baseline="-25000" dirty="0">
                 <a:latin typeface="Times New Roman"/>
                 <a:cs typeface="Times New Roman"/>
               </a:rPr>
               <a:t>3,1</a:t>
             </a:r>
             <a:r>
-              <a:rPr lang="en-US" sz="3600" dirty="0" smtClean="0">
+              <a:rPr lang="en-US" sz="3600" dirty="0">
                 <a:latin typeface="Times New Roman"/>
                 <a:cs typeface="Times New Roman"/>
               </a:rPr>
               <a:t>(</a:t>
             </a:r>
             <a:r>
-              <a:rPr lang="en-US" sz="3600" i="1" dirty="0" smtClean="0">
+              <a:rPr lang="en-US" sz="3600" i="1" dirty="0">
                 <a:latin typeface="Times New Roman"/>
                 <a:cs typeface="Times New Roman"/>
               </a:rPr>
               <a:t>r</a:t>
             </a:r>
             <a:r>
-              <a:rPr lang="en-US" sz="3600" dirty="0" smtClean="0">
+              <a:rPr lang="en-US" sz="3600" dirty="0">
                 <a:latin typeface="Times New Roman"/>
                 <a:cs typeface="Times New Roman"/>
               </a:rPr>
               <a:t>)</a:t>
             </a:r>
-            <a:endParaRPr lang="en-US" sz="3600" dirty="0">
-              <a:latin typeface="Times New Roman"/>
-              <a:cs typeface="Times New Roman"/>
-            </a:endParaRPr>
           </a:p>
         </p:txBody>
       </p:sp>
@@ -7229,37 +7099,33 @@
               <a:t>2</a:t>
             </a:r>
             <a:r>
-              <a:rPr lang="en-US" sz="3600" i="1" dirty="0" smtClean="0">
+              <a:rPr lang="en-US" sz="3600" i="1" dirty="0">
                 <a:latin typeface="Times New Roman"/>
                 <a:cs typeface="Times New Roman"/>
               </a:rPr>
               <a:t>|R</a:t>
             </a:r>
             <a:r>
-              <a:rPr lang="en-US" sz="3600" baseline="-25000" dirty="0" smtClean="0">
+              <a:rPr lang="en-US" sz="3600" baseline="-25000" dirty="0">
                 <a:latin typeface="Times New Roman"/>
                 <a:cs typeface="Times New Roman"/>
               </a:rPr>
               <a:t>3,1</a:t>
             </a:r>
             <a:r>
-              <a:rPr lang="en-US" sz="3600" dirty="0" smtClean="0">
+              <a:rPr lang="en-US" sz="3600" dirty="0">
                 <a:latin typeface="Times New Roman"/>
                 <a:cs typeface="Times New Roman"/>
               </a:rPr>
               <a:t>|</a:t>
             </a:r>
             <a:r>
-              <a:rPr lang="en-US" sz="3600" baseline="30000" dirty="0" smtClean="0">
+              <a:rPr lang="en-US" sz="3600" baseline="30000" dirty="0">
                 <a:latin typeface="Times New Roman"/>
                 <a:cs typeface="Times New Roman"/>
               </a:rPr>
               <a:t>2</a:t>
             </a:r>
-            <a:endParaRPr lang="en-US" sz="3600" baseline="30000" dirty="0">
-              <a:latin typeface="Times New Roman"/>
-              <a:cs typeface="Times New Roman"/>
-            </a:endParaRPr>
           </a:p>
         </p:txBody>
       </p:sp>
@@ -7321,13 +7187,6 @@
   <p:clrMapOvr>
     <a:masterClrMapping/>
   </p:clrMapOvr>
-  <p:timing>
-    <p:tnLst>
-      <p:par>
-        <p:cTn xmlns:p14="http://schemas.microsoft.com/office/powerpoint/2010/main" id="1" dur="indefinite" restart="never" nodeType="tmRoot"/>
-      </p:par>
-    </p:tnLst>
-  </p:timing>
 </p:sld>
 </file>
 
@@ -7403,58 +7262,54 @@
           <a:lstStyle/>
           <a:p>
             <a:r>
-              <a:rPr lang="en-US" sz="4400" i="1" dirty="0" err="1" smtClean="0">
+              <a:rPr lang="en-US" sz="4400" i="1" dirty="0" err="1">
                 <a:latin typeface="Times New Roman"/>
                 <a:cs typeface="Times New Roman"/>
               </a:rPr>
               <a:t>R</a:t>
             </a:r>
             <a:r>
-              <a:rPr lang="en-US" sz="4400" i="1" baseline="-25000" dirty="0" err="1" smtClean="0">
+              <a:rPr lang="en-US" sz="4400" i="1" baseline="-25000" dirty="0" err="1">
                 <a:latin typeface="Times New Roman"/>
                 <a:cs typeface="Times New Roman"/>
               </a:rPr>
               <a:t>n</a:t>
             </a:r>
             <a:r>
-              <a:rPr lang="en-US" sz="4400" baseline="-25000" dirty="0" err="1" smtClean="0">
+              <a:rPr lang="en-US" sz="4400" baseline="-25000" dirty="0" err="1">
                 <a:latin typeface="Times New Roman"/>
                 <a:cs typeface="Times New Roman"/>
               </a:rPr>
               <a:t>,</a:t>
             </a:r>
             <a:r>
-              <a:rPr lang="en-US" sz="4400" i="1" baseline="-25000" dirty="0" err="1" smtClean="0">
+              <a:rPr lang="en-US" sz="4400" i="1" baseline="-25000" dirty="0" err="1">
                 <a:latin typeface="Times New Roman"/>
                 <a:cs typeface="Times New Roman"/>
               </a:rPr>
               <a:t>l</a:t>
             </a:r>
             <a:r>
-              <a:rPr lang="en-US" sz="4400" dirty="0" smtClean="0">
+              <a:rPr lang="en-US" sz="4400" dirty="0">
                 <a:latin typeface="Times New Roman"/>
                 <a:cs typeface="Times New Roman"/>
               </a:rPr>
               <a:t>(</a:t>
             </a:r>
             <a:r>
-              <a:rPr lang="en-US" sz="4400" i="1" dirty="0" smtClean="0">
+              <a:rPr lang="en-US" sz="4400" i="1" dirty="0">
                 <a:latin typeface="Times New Roman"/>
                 <a:cs typeface="Times New Roman"/>
               </a:rPr>
               <a:t>r</a:t>
             </a:r>
             <a:r>
-              <a:rPr lang="en-US" sz="4400" dirty="0" smtClean="0">
+              <a:rPr lang="en-US" sz="4400" dirty="0">
                 <a:latin typeface="Times New Roman"/>
                 <a:cs typeface="Times New Roman"/>
               </a:rPr>
               <a:t>)</a:t>
             </a:r>
-            <a:endParaRPr lang="en-US" sz="4400" dirty="0">
-              <a:latin typeface="Times New Roman"/>
-              <a:cs typeface="Times New Roman"/>
-            </a:endParaRPr>
           </a:p>
         </p:txBody>
       </p:sp>
@@ -7481,14 +7336,14 @@
           <a:lstStyle/>
           <a:p>
             <a:r>
-              <a:rPr lang="en-US" sz="3600" i="1" dirty="0" smtClean="0">
+              <a:rPr lang="en-US" sz="3600" i="1" dirty="0">
                 <a:latin typeface="Times New Roman"/>
                 <a:cs typeface="Times New Roman"/>
               </a:rPr>
               <a:t>n</a:t>
             </a:r>
             <a:r>
-              <a:rPr lang="en-US" sz="3600" dirty="0" smtClean="0">
+              <a:rPr lang="en-US" sz="3600" dirty="0">
                 <a:latin typeface="Times New Roman"/>
                 <a:cs typeface="Times New Roman"/>
               </a:rPr>
@@ -7497,23 +7352,19 @@
           </a:p>
           <a:p>
             <a:r>
-              <a:rPr lang="en-US" sz="3600" i="1" dirty="0" smtClean="0">
+              <a:rPr lang="en-US" sz="3600" i="1" dirty="0">
                 <a:latin typeface="Times New Roman"/>
                 <a:cs typeface="Times New Roman"/>
               </a:rPr>
               <a:t>l</a:t>
             </a:r>
             <a:r>
-              <a:rPr lang="en-US" sz="3600" dirty="0" smtClean="0">
+              <a:rPr lang="en-US" sz="3600" dirty="0">
                 <a:latin typeface="Times New Roman"/>
                 <a:cs typeface="Times New Roman"/>
               </a:rPr>
               <a:t> = 2</a:t>
             </a:r>
-            <a:endParaRPr lang="en-US" sz="3600" dirty="0">
-              <a:latin typeface="Times New Roman"/>
-              <a:cs typeface="Times New Roman"/>
-            </a:endParaRPr>
           </a:p>
         </p:txBody>
       </p:sp>
@@ -7540,44 +7391,40 @@
           <a:lstStyle/>
           <a:p>
             <a:r>
-              <a:rPr lang="en-US" sz="3600" i="1" dirty="0" smtClean="0">
+              <a:rPr lang="en-US" sz="3600" i="1" dirty="0">
                 <a:latin typeface="Times New Roman"/>
                 <a:cs typeface="Times New Roman"/>
               </a:rPr>
               <a:t>R</a:t>
             </a:r>
             <a:r>
-              <a:rPr lang="en-US" sz="3600" baseline="-25000" dirty="0" smtClean="0">
+              <a:rPr lang="en-US" sz="3600" baseline="-25000" dirty="0">
                 <a:latin typeface="Times New Roman"/>
                 <a:cs typeface="Times New Roman"/>
               </a:rPr>
               <a:t>3,2</a:t>
             </a:r>
             <a:r>
-              <a:rPr lang="en-US" sz="3600" dirty="0" smtClean="0">
+              <a:rPr lang="en-US" sz="3600" dirty="0">
                 <a:latin typeface="Times New Roman"/>
                 <a:cs typeface="Times New Roman"/>
               </a:rPr>
               <a:t>(</a:t>
             </a:r>
             <a:r>
-              <a:rPr lang="en-US" sz="3600" i="1" dirty="0" smtClean="0">
+              <a:rPr lang="en-US" sz="3600" i="1" dirty="0">
                 <a:latin typeface="Times New Roman"/>
                 <a:cs typeface="Times New Roman"/>
               </a:rPr>
               <a:t>r</a:t>
             </a:r>
             <a:r>
-              <a:rPr lang="en-US" sz="3600" dirty="0" smtClean="0">
+              <a:rPr lang="en-US" sz="3600" dirty="0">
                 <a:latin typeface="Times New Roman"/>
                 <a:cs typeface="Times New Roman"/>
               </a:rPr>
               <a:t>)</a:t>
             </a:r>
-            <a:endParaRPr lang="en-US" sz="3600" dirty="0">
-              <a:latin typeface="Times New Roman"/>
-              <a:cs typeface="Times New Roman"/>
-            </a:endParaRPr>
           </a:p>
         </p:txBody>
       </p:sp>
@@ -7618,37 +7465,33 @@
               <a:t>2</a:t>
             </a:r>
             <a:r>
-              <a:rPr lang="en-US" sz="3600" i="1" dirty="0" smtClean="0">
+              <a:rPr lang="en-US" sz="3600" i="1" dirty="0">
                 <a:latin typeface="Times New Roman"/>
                 <a:cs typeface="Times New Roman"/>
               </a:rPr>
               <a:t>|R</a:t>
             </a:r>
             <a:r>
-              <a:rPr lang="en-US" sz="3600" baseline="-25000" dirty="0" smtClean="0">
+              <a:rPr lang="en-US" sz="3600" baseline="-25000" dirty="0">
                 <a:latin typeface="Times New Roman"/>
                 <a:cs typeface="Times New Roman"/>
               </a:rPr>
               <a:t>3,2</a:t>
             </a:r>
             <a:r>
-              <a:rPr lang="en-US" sz="3600" dirty="0" smtClean="0">
+              <a:rPr lang="en-US" sz="3600" dirty="0">
                 <a:latin typeface="Times New Roman"/>
                 <a:cs typeface="Times New Roman"/>
               </a:rPr>
               <a:t>|</a:t>
             </a:r>
             <a:r>
-              <a:rPr lang="en-US" sz="3600" baseline="30000" dirty="0" smtClean="0">
+              <a:rPr lang="en-US" sz="3600" baseline="30000" dirty="0">
                 <a:latin typeface="Times New Roman"/>
                 <a:cs typeface="Times New Roman"/>
               </a:rPr>
               <a:t>2</a:t>
             </a:r>
-            <a:endParaRPr lang="en-US" sz="3600" baseline="30000" dirty="0">
-              <a:latin typeface="Times New Roman"/>
-              <a:cs typeface="Times New Roman"/>
-            </a:endParaRPr>
           </a:p>
         </p:txBody>
       </p:sp>
@@ -7710,13 +7553,6 @@
   <p:clrMapOvr>
     <a:masterClrMapping/>
   </p:clrMapOvr>
-  <p:timing>
-    <p:tnLst>
-      <p:par>
-        <p:cTn xmlns:p14="http://schemas.microsoft.com/office/powerpoint/2010/main" id="1" dur="indefinite" restart="never" nodeType="tmRoot"/>
-      </p:par>
-    </p:tnLst>
-  </p:timing>
 </p:sld>
 </file>
 
@@ -7820,7 +7656,7 @@
               </a:tabLst>
             </a:pPr>
             <a:r>
-              <a:rPr lang="en-GB" sz="4000" dirty="0" smtClean="0">
+              <a:rPr lang="en-GB" sz="4000" dirty="0">
                 <a:solidFill>
                   <a:srgbClr val="000000"/>
                 </a:solidFill>
@@ -7828,12 +7664,6 @@
               </a:rPr>
               <a:t>Sampled Orbital Probability Densities</a:t>
             </a:r>
-            <a:endParaRPr lang="en-GB" sz="4000" dirty="0">
-              <a:solidFill>
-                <a:srgbClr val="000000"/>
-              </a:solidFill>
-              <a:latin typeface="Times New Roman" pitchFamily="18" charset="0"/>
-            </a:endParaRPr>
           </a:p>
         </p:txBody>
       </p:sp>
@@ -7894,13 +7724,6 @@
   <p:clrMapOvr>
     <a:masterClrMapping/>
   </p:clrMapOvr>
-  <p:timing>
-    <p:tnLst>
-      <p:par>
-        <p:cTn xmlns:p14="http://schemas.microsoft.com/office/powerpoint/2010/main" id="1" dur="indefinite" restart="never" nodeType="tmRoot"/>
-      </p:par>
-    </p:tnLst>
-  </p:timing>
 </p:sld>
 </file>
 
@@ -8004,7 +7827,7 @@
               </a:tabLst>
             </a:pPr>
             <a:r>
-              <a:rPr lang="en-GB" sz="4000" dirty="0" smtClean="0">
+              <a:rPr lang="en-GB" sz="4000" dirty="0">
                 <a:solidFill>
                   <a:srgbClr val="000000"/>
                 </a:solidFill>
@@ -8012,12 +7835,6 @@
               </a:rPr>
               <a:t>Sampled Orbital Probability Densities</a:t>
             </a:r>
-            <a:endParaRPr lang="en-GB" sz="4000" dirty="0">
-              <a:solidFill>
-                <a:srgbClr val="000000"/>
-              </a:solidFill>
-              <a:latin typeface="Times New Roman" pitchFamily="18" charset="0"/>
-            </a:endParaRPr>
           </a:p>
         </p:txBody>
       </p:sp>
@@ -8078,13 +7895,6 @@
   <p:clrMapOvr>
     <a:masterClrMapping/>
   </p:clrMapOvr>
-  <p:timing>
-    <p:tnLst>
-      <p:par>
-        <p:cTn xmlns:p14="http://schemas.microsoft.com/office/powerpoint/2010/main" id="1" dur="indefinite" restart="never" nodeType="tmRoot"/>
-      </p:par>
-    </p:tnLst>
-  </p:timing>
 </p:sld>
 </file>
 
@@ -8188,7 +7998,7 @@
               </a:tabLst>
             </a:pPr>
             <a:r>
-              <a:rPr lang="en-GB" sz="4000" dirty="0" smtClean="0">
+              <a:rPr lang="en-GB" sz="4000" dirty="0">
                 <a:solidFill>
                   <a:srgbClr val="000000"/>
                 </a:solidFill>
@@ -8196,12 +8006,6 @@
               </a:rPr>
               <a:t>Sampled Orbital Probability Densities</a:t>
             </a:r>
-            <a:endParaRPr lang="en-GB" sz="4000" dirty="0">
-              <a:solidFill>
-                <a:srgbClr val="000000"/>
-              </a:solidFill>
-              <a:latin typeface="Times New Roman" pitchFamily="18" charset="0"/>
-            </a:endParaRPr>
           </a:p>
         </p:txBody>
       </p:sp>
@@ -8310,13 +8114,6 @@
   <p:clrMapOvr>
     <a:masterClrMapping/>
   </p:clrMapOvr>
-  <p:timing>
-    <p:tnLst>
-      <p:par>
-        <p:cTn xmlns:p14="http://schemas.microsoft.com/office/powerpoint/2010/main" id="1" dur="indefinite" restart="never" nodeType="tmRoot"/>
-      </p:par>
-    </p:tnLst>
-  </p:timing>
 </p:sld>
 </file>
 
@@ -8420,7 +8217,7 @@
               </a:tabLst>
             </a:pPr>
             <a:r>
-              <a:rPr lang="en-GB" sz="4000" dirty="0" smtClean="0">
+              <a:rPr lang="en-GB" sz="4000" dirty="0">
                 <a:solidFill>
                   <a:srgbClr val="000000"/>
                 </a:solidFill>
@@ -8428,12 +8225,6 @@
               </a:rPr>
               <a:t>Model</a:t>
             </a:r>
-            <a:endParaRPr lang="en-GB" sz="4000" dirty="0">
-              <a:solidFill>
-                <a:srgbClr val="000000"/>
-              </a:solidFill>
-              <a:latin typeface="Times New Roman" pitchFamily="18" charset="0"/>
-            </a:endParaRPr>
           </a:p>
         </p:txBody>
       </p:sp>
@@ -8490,7 +8281,7 @@
               </a:tabLst>
             </a:pPr>
             <a:r>
-              <a:rPr lang="en-GB" sz="3200" dirty="0" smtClean="0">
+              <a:rPr lang="en-GB" sz="3200" dirty="0">
                 <a:solidFill>
                   <a:srgbClr val="000000"/>
                 </a:solidFill>
@@ -8522,7 +8313,7 @@
               </a:tabLst>
             </a:pPr>
             <a:r>
-              <a:rPr lang="en-GB" sz="2800" b="1" dirty="0" smtClean="0">
+              <a:rPr lang="en-GB" sz="2800" b="1" dirty="0">
                 <a:solidFill>
                   <a:srgbClr val="000000"/>
                 </a:solidFill>
@@ -8531,7 +8322,7 @@
               <a:t>Hydrogen-like</a:t>
             </a:r>
             <a:r>
-              <a:rPr lang="en-GB" sz="2800" dirty="0" smtClean="0">
+              <a:rPr lang="en-GB" sz="2800" dirty="0">
                 <a:solidFill>
                   <a:srgbClr val="000000"/>
                 </a:solidFill>
@@ -8540,7 +8331,7 @@
               <a:t>: any atom, but it has </a:t>
             </a:r>
             <a:r>
-              <a:rPr lang="en-GB" sz="2800" i="1" u="sng" dirty="0" smtClean="0">
+              <a:rPr lang="en-GB" sz="2800" i="1" u="sng" dirty="0">
                 <a:solidFill>
                   <a:srgbClr val="000000"/>
                 </a:solidFill>
@@ -8549,7 +8340,7 @@
               <a:t>only</a:t>
             </a:r>
             <a:r>
-              <a:rPr lang="en-GB" sz="2800" dirty="0" smtClean="0">
+              <a:rPr lang="en-GB" sz="2800" dirty="0">
                 <a:solidFill>
                   <a:srgbClr val="000000"/>
                 </a:solidFill>
@@ -8581,7 +8372,7 @@
               </a:tabLst>
             </a:pPr>
             <a:r>
-              <a:rPr lang="en-GB" sz="2400" dirty="0" smtClean="0">
+              <a:rPr lang="en-GB" sz="2400" dirty="0">
                 <a:solidFill>
                   <a:srgbClr val="000000"/>
                 </a:solidFill>
@@ -8590,7 +8381,7 @@
               <a:t>Atomic charge </a:t>
             </a:r>
             <a:r>
-              <a:rPr lang="en-GB" sz="2400" i="1" dirty="0" smtClean="0">
+              <a:rPr lang="en-GB" sz="2400" i="1" dirty="0">
                 <a:solidFill>
                   <a:srgbClr val="000000"/>
                 </a:solidFill>
@@ -8599,7 +8390,7 @@
               <a:t>Z</a:t>
             </a:r>
             <a:r>
-              <a:rPr lang="en-GB" sz="2400" dirty="0" smtClean="0">
+              <a:rPr lang="en-GB" sz="2400" dirty="0">
                 <a:solidFill>
                   <a:srgbClr val="000000"/>
                 </a:solidFill>
@@ -8663,7 +8454,7 @@
               </a:tabLst>
             </a:pPr>
             <a:r>
-              <a:rPr lang="en-GB" sz="3200" dirty="0" smtClean="0">
+              <a:rPr lang="en-GB" sz="3200" dirty="0">
                 <a:solidFill>
                   <a:srgbClr val="000000"/>
                 </a:solidFill>
@@ -8695,7 +8486,7 @@
               </a:tabLst>
             </a:pPr>
             <a:r>
-              <a:rPr lang="en-GB" sz="2800" dirty="0" smtClean="0">
+              <a:rPr lang="en-GB" sz="2800" dirty="0">
                 <a:solidFill>
                   <a:srgbClr val="000000"/>
                 </a:solidFill>
@@ -8727,7 +8518,7 @@
               </a:tabLst>
             </a:pPr>
             <a:r>
-              <a:rPr lang="en-GB" sz="2800" dirty="0" smtClean="0">
+              <a:rPr lang="en-GB" sz="2800" dirty="0">
                 <a:solidFill>
                   <a:srgbClr val="000000"/>
                 </a:solidFill>
@@ -8751,7 +8542,7 @@
   <p:timing>
     <p:tnLst>
       <p:par>
-        <p:cTn xmlns:p14="http://schemas.microsoft.com/office/powerpoint/2010/main" id="1" dur="indefinite" restart="never" nodeType="tmRoot">
+        <p:cTn id="1" dur="indefinite" restart="never" nodeType="tmRoot">
           <p:childTnLst>
             <p:seq concurrent="1" nextAc="seek">
               <p:cTn id="2" dur="indefinite" nodeType="mainSeq">
@@ -8975,7 +8766,7 @@
               </a:tabLst>
             </a:pPr>
             <a:r>
-              <a:rPr lang="en-GB" sz="4000" dirty="0" smtClean="0">
+              <a:rPr lang="en-GB" sz="4000" dirty="0">
                 <a:solidFill>
                   <a:srgbClr val="000000"/>
                 </a:solidFill>
@@ -8983,12 +8774,6 @@
               </a:rPr>
               <a:t>Sampled Orbital Probability Densities</a:t>
             </a:r>
-            <a:endParaRPr lang="en-GB" sz="4000" dirty="0">
-              <a:solidFill>
-                <a:srgbClr val="000000"/>
-              </a:solidFill>
-              <a:latin typeface="Times New Roman" pitchFamily="18" charset="0"/>
-            </a:endParaRPr>
           </a:p>
         </p:txBody>
       </p:sp>
@@ -9120,13 +8905,6 @@
   <p:clrMapOvr>
     <a:masterClrMapping/>
   </p:clrMapOvr>
-  <p:timing>
-    <p:tnLst>
-      <p:par>
-        <p:cTn xmlns:p14="http://schemas.microsoft.com/office/powerpoint/2010/main" id="1" dur="indefinite" restart="never" nodeType="tmRoot"/>
-      </p:par>
-    </p:tnLst>
-  </p:timing>
 </p:sld>
 </file>
 
@@ -9230,7 +9008,7 @@
               </a:tabLst>
             </a:pPr>
             <a:r>
-              <a:rPr lang="en-GB" sz="4000" dirty="0" smtClean="0">
+              <a:rPr lang="en-GB" sz="4000" dirty="0">
                 <a:solidFill>
                   <a:srgbClr val="000000"/>
                 </a:solidFill>
@@ -9238,12 +9016,6 @@
               </a:rPr>
               <a:t>Sampled Orbital Probability Densities</a:t>
             </a:r>
-            <a:endParaRPr lang="en-GB" sz="4000" dirty="0">
-              <a:solidFill>
-                <a:srgbClr val="000000"/>
-              </a:solidFill>
-              <a:latin typeface="Times New Roman" pitchFamily="18" charset="0"/>
-            </a:endParaRPr>
           </a:p>
         </p:txBody>
       </p:sp>
@@ -9293,7 +9065,7 @@
   <p:timing>
     <p:tnLst>
       <p:par>
-        <p:cTn xmlns:p14="http://schemas.microsoft.com/office/powerpoint/2010/main" id="1" dur="indefinite" restart="never" nodeType="tmRoot">
+        <p:cTn id="1" dur="indefinite" restart="never" nodeType="tmRoot">
           <p:childTnLst>
             <p:seq concurrent="1" nextAc="seek">
               <p:cTn id="2" restart="whenNotActive" fill="hold" evtFilter="cancelBubble" nodeType="interactiveSeq">
@@ -9473,7 +9245,7 @@
               </a:tabLst>
             </a:pPr>
             <a:r>
-              <a:rPr lang="en-GB" sz="4000" dirty="0" smtClean="0">
+              <a:rPr lang="en-GB" sz="4000" dirty="0">
                 <a:solidFill>
                   <a:srgbClr val="000000"/>
                 </a:solidFill>
@@ -9481,12 +9253,6 @@
               </a:rPr>
               <a:t>Hydrogen-Like Atom</a:t>
             </a:r>
-            <a:endParaRPr lang="en-GB" sz="4000" dirty="0">
-              <a:solidFill>
-                <a:srgbClr val="000000"/>
-              </a:solidFill>
-              <a:latin typeface="Times New Roman" pitchFamily="18" charset="0"/>
-            </a:endParaRPr>
           </a:p>
         </p:txBody>
       </p:sp>
@@ -9769,19 +9535,8 @@
                 <a:latin typeface="Times New Roman"/>
                 <a:cs typeface="Times New Roman"/>
               </a:rPr>
-              <a:t>a</a:t>
-            </a:r>
-            <a:r>
-              <a:rPr lang="en-US" sz="2400" dirty="0" smtClean="0">
-                <a:latin typeface="Times New Roman"/>
-                <a:cs typeface="Times New Roman"/>
-              </a:rPr>
-              <a:t>n electron</a:t>
-            </a:r>
-            <a:endParaRPr lang="en-US" sz="2400" dirty="0">
-              <a:latin typeface="Times New Roman"/>
-              <a:cs typeface="Times New Roman"/>
-            </a:endParaRPr>
+              <a:t>an electron</a:t>
+            </a:r>
           </a:p>
         </p:txBody>
       </p:sp>
@@ -9812,19 +9567,8 @@
                 <a:latin typeface="Times New Roman"/>
                 <a:cs typeface="Times New Roman"/>
               </a:rPr>
-              <a:t>t</a:t>
-            </a:r>
-            <a:r>
-              <a:rPr lang="en-US" sz="2400" dirty="0" smtClean="0">
-                <a:latin typeface="Times New Roman"/>
-                <a:cs typeface="Times New Roman"/>
-              </a:rPr>
-              <a:t>he nucleus is at the origin </a:t>
-            </a:r>
-            <a:endParaRPr lang="en-US" sz="2400" dirty="0">
-              <a:latin typeface="Times New Roman"/>
-              <a:cs typeface="Times New Roman"/>
-            </a:endParaRPr>
+              <a:t>the nucleus is at the origin </a:t>
+            </a:r>
           </a:p>
         </p:txBody>
       </p:sp>
@@ -9875,16 +9619,12 @@
           <a:lstStyle/>
           <a:p>
             <a:r>
-              <a:rPr lang="en-US" sz="2000" dirty="0" smtClean="0">
+              <a:rPr lang="en-US" sz="2000" dirty="0">
                 <a:latin typeface="Times New Roman"/>
                 <a:cs typeface="Times New Roman"/>
               </a:rPr>
               <a:t>electron is “confined” to the atom by a “spherically symmetric” potential </a:t>
             </a:r>
-            <a:endParaRPr lang="en-US" sz="2000" dirty="0">
-              <a:latin typeface="Times New Roman"/>
-              <a:cs typeface="Times New Roman"/>
-            </a:endParaRPr>
           </a:p>
         </p:txBody>
       </p:sp>
@@ -9948,7 +9688,7 @@
           <a:lstStyle/>
           <a:p>
             <a:r>
-              <a:rPr lang="en-GB" sz="3200" i="1" dirty="0" smtClean="0">
+              <a:rPr lang="en-GB" sz="3200" i="1" dirty="0">
                 <a:solidFill>
                   <a:srgbClr val="000000"/>
                 </a:solidFill>
@@ -10114,7 +9854,7 @@
   <p:timing>
     <p:tnLst>
       <p:par>
-        <p:cTn xmlns:p14="http://schemas.microsoft.com/office/powerpoint/2010/main" id="1" dur="indefinite" restart="never" nodeType="tmRoot">
+        <p:cTn id="1" dur="indefinite" restart="never" nodeType="tmRoot">
           <p:childTnLst>
             <p:seq concurrent="1" nextAc="seek">
               <p:cTn id="2" dur="indefinite" nodeType="mainSeq">
@@ -10980,7 +10720,7 @@
               </a:tabLst>
             </a:pPr>
             <a:r>
-              <a:rPr lang="en-GB" sz="4000" dirty="0" smtClean="0">
+              <a:rPr lang="en-GB" sz="4000" dirty="0">
                 <a:solidFill>
                   <a:srgbClr val="000000"/>
                 </a:solidFill>
@@ -10988,12 +10728,6 @@
               </a:rPr>
               <a:t>Spherical Polar Coordinates</a:t>
             </a:r>
-            <a:endParaRPr lang="en-GB" sz="4000" dirty="0">
-              <a:solidFill>
-                <a:srgbClr val="000000"/>
-              </a:solidFill>
-              <a:latin typeface="Times New Roman" pitchFamily="18" charset="0"/>
-            </a:endParaRPr>
           </a:p>
         </p:txBody>
       </p:sp>
@@ -11050,16 +10784,16 @@
               </a:tabLst>
             </a:pPr>
             <a:r>
-              <a:rPr lang="en-GB" sz="2800" dirty="0" smtClean="0">
+              <a:rPr lang="en-GB" sz="2800" dirty="0">
                 <a:solidFill>
                   <a:srgbClr val="000000"/>
                 </a:solidFill>
                 <a:latin typeface="Times New Roman" pitchFamily="18" charset="0"/>
               </a:rPr>
-              <a:t>It’s easier to study this “planetary like” models in terms of spherically polar </a:t>
-            </a:r>
-            <a:r>
-              <a:rPr lang="en-GB" sz="2800" dirty="0" err="1" smtClean="0">
+              <a:t>It’s easier to study this “planetary like” model in terms of spherically polar </a:t>
+            </a:r>
+            <a:r>
+              <a:rPr lang="en-GB" sz="2800" dirty="0" err="1">
                 <a:solidFill>
                   <a:srgbClr val="000000"/>
                 </a:solidFill>
@@ -11068,7 +10802,7 @@
               <a:t>coords</a:t>
             </a:r>
             <a:r>
-              <a:rPr lang="en-GB" sz="2800" dirty="0" smtClean="0">
+              <a:rPr lang="en-GB" sz="2800" dirty="0">
                 <a:solidFill>
                   <a:srgbClr val="000000"/>
                 </a:solidFill>
@@ -11077,7 +10811,7 @@
               <a:t>. (</a:t>
             </a:r>
             <a:r>
-              <a:rPr lang="en-GB" sz="2800" i="1" dirty="0" smtClean="0">
+              <a:rPr lang="en-GB" sz="2800" i="1" dirty="0">
                 <a:solidFill>
                   <a:srgbClr val="000000"/>
                 </a:solidFill>
@@ -11086,7 +10820,7 @@
               <a:t>r</a:t>
             </a:r>
             <a:r>
-              <a:rPr lang="en-GB" sz="2800" dirty="0" smtClean="0">
+              <a:rPr lang="en-GB" sz="2800" dirty="0">
                 <a:solidFill>
                   <a:srgbClr val="000000"/>
                 </a:solidFill>
@@ -11095,7 +10829,7 @@
               <a:t>, </a:t>
             </a:r>
             <a:r>
-              <a:rPr lang="en-GB" sz="2800" i="1" dirty="0" smtClean="0">
+              <a:rPr lang="en-GB" sz="2800" i="1" dirty="0">
                 <a:solidFill>
                   <a:srgbClr val="000000"/>
                 </a:solidFill>
@@ -11105,7 +10839,7 @@
               <a:t>q</a:t>
             </a:r>
             <a:r>
-              <a:rPr lang="en-GB" sz="2800" dirty="0" smtClean="0">
+              <a:rPr lang="en-GB" sz="2800" dirty="0">
                 <a:solidFill>
                   <a:srgbClr val="000000"/>
                 </a:solidFill>
@@ -11115,7 +10849,7 @@
               <a:t>, </a:t>
             </a:r>
             <a:r>
-              <a:rPr lang="en-GB" sz="2800" i="1" dirty="0" smtClean="0">
+              <a:rPr lang="en-GB" sz="2800" i="1" dirty="0">
                 <a:solidFill>
                   <a:srgbClr val="000000"/>
                 </a:solidFill>
@@ -11125,7 +10859,7 @@
               <a:t>f</a:t>
             </a:r>
             <a:r>
-              <a:rPr lang="en-GB" sz="2800" dirty="0" smtClean="0">
+              <a:rPr lang="en-GB" sz="2800" dirty="0">
                 <a:solidFill>
                   <a:srgbClr val="000000"/>
                 </a:solidFill>
@@ -11134,7 +10868,7 @@
               <a:t>) than Cartesian </a:t>
             </a:r>
             <a:r>
-              <a:rPr lang="en-GB" sz="2800" dirty="0" err="1" smtClean="0">
+              <a:rPr lang="en-GB" sz="2800" dirty="0" err="1">
                 <a:solidFill>
                   <a:srgbClr val="000000"/>
                 </a:solidFill>
@@ -11143,7 +10877,7 @@
               <a:t>coords</a:t>
             </a:r>
             <a:r>
-              <a:rPr lang="en-GB" sz="2800" dirty="0" smtClean="0">
+              <a:rPr lang="en-GB" sz="2800" dirty="0">
                 <a:solidFill>
                   <a:srgbClr val="000000"/>
                 </a:solidFill>
@@ -11152,7 +10886,7 @@
               <a:t>. (</a:t>
             </a:r>
             <a:r>
-              <a:rPr lang="en-GB" sz="2800" i="1" dirty="0" smtClean="0">
+              <a:rPr lang="en-GB" sz="2800" i="1" dirty="0">
                 <a:solidFill>
                   <a:srgbClr val="000000"/>
                 </a:solidFill>
@@ -11161,7 +10895,7 @@
               <a:t>x</a:t>
             </a:r>
             <a:r>
-              <a:rPr lang="en-GB" sz="2800" dirty="0" smtClean="0">
+              <a:rPr lang="en-GB" sz="2800" dirty="0">
                 <a:solidFill>
                   <a:srgbClr val="000000"/>
                 </a:solidFill>
@@ -11170,7 +10904,7 @@
               <a:t>, </a:t>
             </a:r>
             <a:r>
-              <a:rPr lang="en-GB" sz="2800" i="1" dirty="0" smtClean="0">
+              <a:rPr lang="en-GB" sz="2800" i="1" dirty="0">
                 <a:solidFill>
                   <a:srgbClr val="000000"/>
                 </a:solidFill>
@@ -11179,7 +10913,7 @@
               <a:t>y</a:t>
             </a:r>
             <a:r>
-              <a:rPr lang="en-GB" sz="2800" dirty="0" smtClean="0">
+              <a:rPr lang="en-GB" sz="2800" dirty="0">
                 <a:solidFill>
                   <a:srgbClr val="000000"/>
                 </a:solidFill>
@@ -11188,7 +10922,7 @@
               <a:t>, </a:t>
             </a:r>
             <a:r>
-              <a:rPr lang="en-GB" sz="2800" i="1" dirty="0" smtClean="0">
+              <a:rPr lang="en-GB" sz="2800" i="1" dirty="0">
                 <a:solidFill>
                   <a:srgbClr val="000000"/>
                 </a:solidFill>
@@ -11197,7 +10931,7 @@
               <a:t>z</a:t>
             </a:r>
             <a:r>
-              <a:rPr lang="en-GB" sz="2800" dirty="0" smtClean="0">
+              <a:rPr lang="en-GB" sz="2800" dirty="0">
                 <a:solidFill>
                   <a:srgbClr val="000000"/>
                 </a:solidFill>
@@ -11350,7 +11084,7 @@
           <a:lstStyle/>
           <a:p>
             <a:r>
-              <a:rPr lang="en-GB" i="1" dirty="0" smtClean="0">
+              <a:rPr lang="en-GB" i="1" dirty="0">
                 <a:solidFill>
                   <a:srgbClr val="000000"/>
                 </a:solidFill>
@@ -11384,7 +11118,7 @@
           <a:lstStyle/>
           <a:p>
             <a:r>
-              <a:rPr lang="en-GB" i="1" dirty="0" smtClean="0">
+              <a:rPr lang="en-GB" i="1" dirty="0">
                 <a:solidFill>
                   <a:srgbClr val="000000"/>
                 </a:solidFill>
@@ -11418,7 +11152,7 @@
           <a:lstStyle/>
           <a:p>
             <a:r>
-              <a:rPr lang="en-GB" i="1" dirty="0" smtClean="0">
+              <a:rPr lang="en-GB" i="1" dirty="0">
                 <a:solidFill>
                   <a:srgbClr val="000000"/>
                 </a:solidFill>
@@ -11840,7 +11574,7 @@
           <a:lstStyle/>
           <a:p>
             <a:r>
-              <a:rPr lang="en-GB" i="1" dirty="0" smtClean="0">
+              <a:rPr lang="en-GB" i="1" dirty="0">
                 <a:solidFill>
                   <a:srgbClr val="000000"/>
                 </a:solidFill>
@@ -11875,7 +11609,7 @@
           <a:lstStyle/>
           <a:p>
             <a:r>
-              <a:rPr lang="en-GB" i="1" dirty="0" smtClean="0">
+              <a:rPr lang="en-GB" i="1" dirty="0">
                 <a:solidFill>
                   <a:srgbClr val="000000"/>
                 </a:solidFill>
@@ -11928,7 +11662,7 @@
               </a:tabLst>
             </a:pPr>
             <a:r>
-              <a:rPr lang="en-GB" sz="2400" i="1" dirty="0" smtClean="0">
+              <a:rPr lang="en-GB" sz="2400" i="1" dirty="0">
                 <a:solidFill>
                   <a:srgbClr val="000000"/>
                 </a:solidFill>
@@ -11938,7 +11672,7 @@
               <a:t>q</a:t>
             </a:r>
             <a:r>
-              <a:rPr lang="en-GB" sz="2400" dirty="0" smtClean="0">
+              <a:rPr lang="en-GB" sz="2400" dirty="0">
                 <a:solidFill>
                   <a:srgbClr val="000000"/>
                 </a:solidFill>
@@ -11948,7 +11682,7 @@
               <a:t> </a:t>
             </a:r>
             <a:r>
-              <a:rPr lang="en-GB" sz="2400" dirty="0" smtClean="0">
+              <a:rPr lang="en-GB" sz="2400" dirty="0">
                 <a:solidFill>
                   <a:srgbClr val="000000"/>
                 </a:solidFill>
@@ -11958,7 +11692,7 @@
               <a:t>can vary form 0 to</a:t>
             </a:r>
             <a:r>
-              <a:rPr lang="en-GB" sz="2400" dirty="0" smtClean="0">
+              <a:rPr lang="en-GB" sz="2400" dirty="0">
                 <a:solidFill>
                   <a:srgbClr val="000000"/>
                 </a:solidFill>
@@ -12017,7 +11751,7 @@
               </a:tabLst>
             </a:pPr>
             <a:r>
-              <a:rPr lang="en-GB" sz="2400" i="1" dirty="0" smtClean="0">
+              <a:rPr lang="en-GB" sz="2400" i="1" dirty="0">
                 <a:solidFill>
                   <a:srgbClr val="000000"/>
                 </a:solidFill>
@@ -12027,7 +11761,7 @@
               <a:t>f</a:t>
             </a:r>
             <a:r>
-              <a:rPr lang="en-GB" sz="2400" dirty="0" smtClean="0">
+              <a:rPr lang="en-GB" sz="2400" dirty="0">
                 <a:solidFill>
                   <a:srgbClr val="000000"/>
                 </a:solidFill>
@@ -12054,17 +11788,7 @@
                 <a:latin typeface="Symbol" charset="2"/>
                 <a:cs typeface="Symbol" charset="2"/>
               </a:rPr>
-              <a:t> </a:t>
-            </a:r>
-            <a:r>
-              <a:rPr lang="en-GB" sz="2400" dirty="0" smtClean="0">
-                <a:solidFill>
-                  <a:srgbClr val="000000"/>
-                </a:solidFill>
-                <a:latin typeface="Symbol" charset="2"/>
-                <a:cs typeface="Symbol" charset="2"/>
-              </a:rPr>
-              <a:t>2 p</a:t>
+              <a:t> 2 p</a:t>
             </a:r>
             <a:endParaRPr lang="en-GB" sz="2400" dirty="0">
               <a:solidFill>
@@ -12116,7 +11840,7 @@
               </a:tabLst>
             </a:pPr>
             <a:r>
-              <a:rPr lang="en-GB" sz="2400" i="1" dirty="0" smtClean="0">
+              <a:rPr lang="en-GB" sz="2400" i="1" dirty="0">
                 <a:solidFill>
                   <a:srgbClr val="000000"/>
                 </a:solidFill>
@@ -12126,7 +11850,7 @@
               <a:t>r</a:t>
             </a:r>
             <a:r>
-              <a:rPr lang="en-GB" sz="2400" dirty="0" smtClean="0">
+              <a:rPr lang="en-GB" sz="2400" dirty="0">
                 <a:solidFill>
                   <a:srgbClr val="000000"/>
                 </a:solidFill>
@@ -12233,7 +11957,7 @@
               <a:t>x</a:t>
             </a:r>
             <a:r>
-              <a:rPr lang="en-GB" sz="2400" dirty="0" smtClean="0">
+              <a:rPr lang="en-GB" sz="2400" dirty="0">
                 <a:solidFill>
                   <a:srgbClr val="000000"/>
                 </a:solidFill>
@@ -12243,7 +11967,7 @@
               <a:t> = </a:t>
             </a:r>
             <a:r>
-              <a:rPr lang="en-GB" sz="2400" i="1" dirty="0" smtClean="0">
+              <a:rPr lang="en-GB" sz="2400" i="1" dirty="0">
                 <a:solidFill>
                   <a:srgbClr val="000000"/>
                 </a:solidFill>
@@ -12253,7 +11977,7 @@
               <a:t>r</a:t>
             </a:r>
             <a:r>
-              <a:rPr lang="en-GB" sz="2400" dirty="0" smtClean="0">
+              <a:rPr lang="en-GB" sz="2400" dirty="0">
                 <a:solidFill>
                   <a:srgbClr val="000000"/>
                 </a:solidFill>
@@ -12263,7 +11987,7 @@
               <a:t> sin(</a:t>
             </a:r>
             <a:r>
-              <a:rPr lang="en-GB" sz="2400" i="1" dirty="0" smtClean="0">
+              <a:rPr lang="en-GB" sz="2400" i="1" dirty="0">
                 <a:solidFill>
                   <a:srgbClr val="000000"/>
                 </a:solidFill>
@@ -12273,7 +11997,7 @@
               <a:t>q</a:t>
             </a:r>
             <a:r>
-              <a:rPr lang="en-GB" sz="2400" dirty="0" smtClean="0">
+              <a:rPr lang="en-GB" sz="2400" dirty="0">
                 <a:solidFill>
                   <a:srgbClr val="000000"/>
                 </a:solidFill>
@@ -12283,7 +12007,7 @@
               <a:t>)</a:t>
             </a:r>
             <a:r>
-              <a:rPr lang="en-GB" sz="2400" dirty="0" smtClean="0">
+              <a:rPr lang="en-GB" sz="2400" dirty="0">
                 <a:solidFill>
                   <a:srgbClr val="000000"/>
                 </a:solidFill>
@@ -12293,7 +12017,7 @@
               <a:t> </a:t>
             </a:r>
             <a:r>
-              <a:rPr lang="en-GB" sz="2400" dirty="0" err="1" smtClean="0">
+              <a:rPr lang="en-GB" sz="2400" dirty="0" err="1">
                 <a:solidFill>
                   <a:srgbClr val="000000"/>
                 </a:solidFill>
@@ -12303,7 +12027,7 @@
               <a:t>cos</a:t>
             </a:r>
             <a:r>
-              <a:rPr lang="en-GB" sz="2400" dirty="0" smtClean="0">
+              <a:rPr lang="en-GB" sz="2400" dirty="0">
                 <a:solidFill>
                   <a:srgbClr val="000000"/>
                 </a:solidFill>
@@ -12313,7 +12037,7 @@
               <a:t>(</a:t>
             </a:r>
             <a:r>
-              <a:rPr lang="en-GB" sz="2400" i="1" dirty="0" smtClean="0">
+              <a:rPr lang="en-GB" sz="2400" i="1" dirty="0">
                 <a:solidFill>
                   <a:srgbClr val="000000"/>
                 </a:solidFill>
@@ -12323,7 +12047,7 @@
               <a:t>f</a:t>
             </a:r>
             <a:r>
-              <a:rPr lang="en-GB" sz="2400" dirty="0" smtClean="0">
+              <a:rPr lang="en-GB" sz="2400" dirty="0">
                 <a:solidFill>
                   <a:srgbClr val="000000"/>
                 </a:solidFill>
@@ -12383,7 +12107,7 @@
               </a:tabLst>
             </a:pPr>
             <a:r>
-              <a:rPr lang="en-GB" sz="2400" i="1" dirty="0" smtClean="0">
+              <a:rPr lang="en-GB" sz="2400" i="1" dirty="0">
                 <a:solidFill>
                   <a:srgbClr val="000000"/>
                 </a:solidFill>
@@ -12393,7 +12117,7 @@
               <a:t>y</a:t>
             </a:r>
             <a:r>
-              <a:rPr lang="en-GB" sz="2400" dirty="0" smtClean="0">
+              <a:rPr lang="en-GB" sz="2400" dirty="0">
                 <a:solidFill>
                   <a:srgbClr val="000000"/>
                 </a:solidFill>
@@ -12403,7 +12127,7 @@
               <a:t> = </a:t>
             </a:r>
             <a:r>
-              <a:rPr lang="en-GB" sz="2400" i="1" dirty="0" smtClean="0">
+              <a:rPr lang="en-GB" sz="2400" i="1" dirty="0">
                 <a:solidFill>
                   <a:srgbClr val="000000"/>
                 </a:solidFill>
@@ -12413,7 +12137,7 @@
               <a:t>r</a:t>
             </a:r>
             <a:r>
-              <a:rPr lang="en-GB" sz="2400" dirty="0" smtClean="0">
+              <a:rPr lang="en-GB" sz="2400" dirty="0">
                 <a:solidFill>
                   <a:srgbClr val="000000"/>
                 </a:solidFill>
@@ -12423,7 +12147,7 @@
               <a:t> sin(</a:t>
             </a:r>
             <a:r>
-              <a:rPr lang="en-GB" sz="2400" i="1" dirty="0" smtClean="0">
+              <a:rPr lang="en-GB" sz="2400" i="1" dirty="0">
                 <a:solidFill>
                   <a:srgbClr val="000000"/>
                 </a:solidFill>
@@ -12433,7 +12157,7 @@
               <a:t>q</a:t>
             </a:r>
             <a:r>
-              <a:rPr lang="en-GB" sz="2400" dirty="0" smtClean="0">
+              <a:rPr lang="en-GB" sz="2400" dirty="0">
                 <a:solidFill>
                   <a:srgbClr val="000000"/>
                 </a:solidFill>
@@ -12443,7 +12167,7 @@
               <a:t>)</a:t>
             </a:r>
             <a:r>
-              <a:rPr lang="en-GB" sz="2400" dirty="0" smtClean="0">
+              <a:rPr lang="en-GB" sz="2400" dirty="0">
                 <a:solidFill>
                   <a:srgbClr val="000000"/>
                 </a:solidFill>
@@ -12453,7 +12177,7 @@
               <a:t> sin(</a:t>
             </a:r>
             <a:r>
-              <a:rPr lang="en-GB" sz="2400" i="1" dirty="0" smtClean="0">
+              <a:rPr lang="en-GB" sz="2400" i="1" dirty="0">
                 <a:solidFill>
                   <a:srgbClr val="000000"/>
                 </a:solidFill>
@@ -12463,7 +12187,7 @@
               <a:t>f</a:t>
             </a:r>
             <a:r>
-              <a:rPr lang="en-GB" sz="2400" dirty="0" smtClean="0">
+              <a:rPr lang="en-GB" sz="2400" dirty="0">
                 <a:solidFill>
                   <a:srgbClr val="000000"/>
                 </a:solidFill>
@@ -12523,7 +12247,7 @@
               </a:tabLst>
             </a:pPr>
             <a:r>
-              <a:rPr lang="en-GB" sz="2400" i="1" dirty="0" smtClean="0">
+              <a:rPr lang="en-GB" sz="2400" i="1" dirty="0">
                 <a:solidFill>
                   <a:srgbClr val="000000"/>
                 </a:solidFill>
@@ -12533,7 +12257,7 @@
               <a:t>z</a:t>
             </a:r>
             <a:r>
-              <a:rPr lang="en-GB" sz="2400" dirty="0" smtClean="0">
+              <a:rPr lang="en-GB" sz="2400" dirty="0">
                 <a:solidFill>
                   <a:srgbClr val="000000"/>
                 </a:solidFill>
@@ -12543,7 +12267,7 @@
               <a:t> = </a:t>
             </a:r>
             <a:r>
-              <a:rPr lang="en-GB" sz="2400" i="1" dirty="0" smtClean="0">
+              <a:rPr lang="en-GB" sz="2400" i="1" dirty="0">
                 <a:solidFill>
                   <a:srgbClr val="000000"/>
                 </a:solidFill>
@@ -12553,7 +12277,7 @@
               <a:t>r</a:t>
             </a:r>
             <a:r>
-              <a:rPr lang="en-GB" sz="2400" dirty="0" smtClean="0">
+              <a:rPr lang="en-GB" sz="2400" dirty="0">
                 <a:solidFill>
                   <a:srgbClr val="000000"/>
                 </a:solidFill>
@@ -12563,7 +12287,7 @@
               <a:t> </a:t>
             </a:r>
             <a:r>
-              <a:rPr lang="en-GB" sz="2400" dirty="0" err="1" smtClean="0">
+              <a:rPr lang="en-GB" sz="2400" dirty="0" err="1">
                 <a:solidFill>
                   <a:srgbClr val="000000"/>
                 </a:solidFill>
@@ -12573,7 +12297,7 @@
               <a:t>cos</a:t>
             </a:r>
             <a:r>
-              <a:rPr lang="en-GB" sz="2400" dirty="0" smtClean="0">
+              <a:rPr lang="en-GB" sz="2400" dirty="0">
                 <a:solidFill>
                   <a:srgbClr val="000000"/>
                 </a:solidFill>
@@ -12583,7 +12307,7 @@
               <a:t>(</a:t>
             </a:r>
             <a:r>
-              <a:rPr lang="en-GB" sz="2400" i="1" dirty="0" smtClean="0">
+              <a:rPr lang="en-GB" sz="2400" i="1" dirty="0">
                 <a:solidFill>
                   <a:srgbClr val="000000"/>
                 </a:solidFill>
@@ -12593,7 +12317,7 @@
               <a:t>q</a:t>
             </a:r>
             <a:r>
-              <a:rPr lang="en-GB" sz="2400" dirty="0" smtClean="0">
+              <a:rPr lang="en-GB" sz="2400" dirty="0">
                 <a:solidFill>
                   <a:srgbClr val="000000"/>
                 </a:solidFill>
@@ -12634,7 +12358,7 @@
           <a:lstStyle/>
           <a:p>
             <a:r>
-              <a:rPr lang="en-GB" dirty="0" smtClean="0">
+              <a:rPr lang="en-GB" dirty="0">
                 <a:solidFill>
                   <a:srgbClr val="000000"/>
                 </a:solidFill>
@@ -12743,16 +12467,7 @@
                 </a:solidFill>
                 <a:latin typeface="Times New Roman" pitchFamily="18" charset="0"/>
               </a:rPr>
-              <a:t>p</a:t>
-            </a:r>
-            <a:r>
-              <a:rPr lang="en-GB" dirty="0" smtClean="0">
-                <a:solidFill>
-                  <a:srgbClr val="000000"/>
-                </a:solidFill>
-                <a:latin typeface="Times New Roman" pitchFamily="18" charset="0"/>
-              </a:rPr>
-              <a:t>olar to Cartesians</a:t>
+              <a:t>polar to Cartesians</a:t>
             </a:r>
             <a:endParaRPr lang="en-US" dirty="0"/>
           </a:p>
@@ -12771,7 +12486,7 @@
   <p:timing>
     <p:tnLst>
       <p:par>
-        <p:cTn xmlns:p14="http://schemas.microsoft.com/office/powerpoint/2010/main" id="1" dur="indefinite" restart="never" nodeType="tmRoot">
+        <p:cTn id="1" dur="indefinite" restart="never" nodeType="tmRoot">
           <p:childTnLst>
             <p:seq concurrent="1" nextAc="seek">
               <p:cTn id="2" dur="indefinite" nodeType="mainSeq">
@@ -15057,7 +14772,7 @@
               </a:tabLst>
             </a:pPr>
             <a:r>
-              <a:rPr lang="en-GB" sz="2800" dirty="0" smtClean="0">
+              <a:rPr lang="en-GB" sz="2800" dirty="0">
                 <a:solidFill>
                   <a:srgbClr val="000000"/>
                 </a:solidFill>
@@ -15151,7 +14866,7 @@
               </a:tabLst>
             </a:pPr>
             <a:r>
-              <a:rPr lang="en-GB" sz="4000" dirty="0" smtClean="0">
+              <a:rPr lang="en-GB" sz="4000" dirty="0">
                 <a:solidFill>
                   <a:srgbClr val="000000"/>
                 </a:solidFill>
@@ -15159,12 +14874,6 @@
               </a:rPr>
               <a:t>Hydrogen Atom</a:t>
             </a:r>
-            <a:endParaRPr lang="en-GB" sz="4000" dirty="0">
-              <a:solidFill>
-                <a:srgbClr val="000000"/>
-              </a:solidFill>
-              <a:latin typeface="Times New Roman" pitchFamily="18" charset="0"/>
-            </a:endParaRPr>
           </a:p>
         </p:txBody>
       </p:sp>
@@ -15398,7 +15107,7 @@
   <p:timing>
     <p:tnLst>
       <p:par>
-        <p:cTn xmlns:p14="http://schemas.microsoft.com/office/powerpoint/2010/main" id="1" dur="indefinite" restart="never" nodeType="tmRoot">
+        <p:cTn id="1" dur="indefinite" restart="never" nodeType="tmRoot">
           <p:childTnLst>
             <p:seq concurrent="1" nextAc="seek">
               <p:cTn id="2" dur="indefinite" nodeType="mainSeq">
@@ -16271,7 +15980,7 @@
               </a:tabLst>
             </a:pPr>
             <a:r>
-              <a:rPr lang="en-GB" sz="2800" dirty="0" smtClean="0">
+              <a:rPr lang="en-GB" sz="2800" dirty="0">
                 <a:solidFill>
                   <a:srgbClr val="000000"/>
                 </a:solidFill>
@@ -16333,7 +16042,7 @@
               </a:tabLst>
             </a:pPr>
             <a:r>
-              <a:rPr lang="en-GB" sz="4000" dirty="0" smtClean="0">
+              <a:rPr lang="en-GB" sz="4000" dirty="0">
                 <a:solidFill>
                   <a:srgbClr val="000000"/>
                 </a:solidFill>
@@ -16341,12 +16050,6 @@
               </a:rPr>
               <a:t>Hydrogen Atom</a:t>
             </a:r>
-            <a:endParaRPr lang="en-GB" sz="4000" dirty="0">
-              <a:solidFill>
-                <a:srgbClr val="000000"/>
-              </a:solidFill>
-              <a:latin typeface="Times New Roman" pitchFamily="18" charset="0"/>
-            </a:endParaRPr>
           </a:p>
         </p:txBody>
       </p:sp>
@@ -16420,42 +16123,6 @@
           </a:prstGeom>
         </p:spPr>
       </p:pic>
-      <p:cxnSp>
-        <p:nvCxnSpPr>
-          <p:cNvPr id="12" name="Straight Arrow Connector 11"/>
-          <p:cNvCxnSpPr>
-            <a:stCxn id="8" idx="0"/>
-            <a:endCxn id="8" idx="0"/>
-          </p:cNvCxnSpPr>
-          <p:nvPr/>
-        </p:nvCxnSpPr>
-        <p:spPr>
-          <a:xfrm>
-            <a:off x="2582334" y="2790093"/>
-            <a:ext cx="0" cy="0"/>
-          </a:xfrm>
-          <a:prstGeom prst="straightConnector1">
-            <a:avLst/>
-          </a:prstGeom>
-          <a:ln>
-            <a:tailEnd type="arrow"/>
-          </a:ln>
-        </p:spPr>
-        <p:style>
-          <a:lnRef idx="2">
-            <a:schemeClr val="accent1"/>
-          </a:lnRef>
-          <a:fillRef idx="0">
-            <a:schemeClr val="accent1"/>
-          </a:fillRef>
-          <a:effectRef idx="1">
-            <a:schemeClr val="accent1"/>
-          </a:effectRef>
-          <a:fontRef idx="minor">
-            <a:schemeClr val="tx1"/>
-          </a:fontRef>
-        </p:style>
-      </p:cxnSp>
       <p:cxnSp>
         <p:nvCxnSpPr>
           <p:cNvPr id="15" name="Straight Arrow Connector 14"/>
@@ -16650,7 +16317,7 @@
               </a:tabLst>
             </a:pPr>
             <a:r>
-              <a:rPr lang="en-GB" sz="2800" dirty="0" smtClean="0">
+              <a:rPr lang="en-GB" sz="2800" dirty="0">
                 <a:solidFill>
                   <a:srgbClr val="000000"/>
                 </a:solidFill>
@@ -16714,7 +16381,7 @@
                 <a:tab pos="10488613" algn="l"/>
               </a:tabLst>
             </a:pPr>
-            <a:endParaRPr lang="en-GB" sz="1200" dirty="0" smtClean="0">
+            <a:endParaRPr lang="en-GB" sz="1200" dirty="0">
               <a:solidFill>
                 <a:srgbClr val="000000"/>
               </a:solidFill>
@@ -16748,7 +16415,7 @@
               </a:tabLst>
             </a:pPr>
             <a:r>
-              <a:rPr lang="en-GB" sz="2400" dirty="0" smtClean="0">
+              <a:rPr lang="en-GB" sz="2400" dirty="0">
                 <a:solidFill>
                   <a:srgbClr val="000000"/>
                 </a:solidFill>
@@ -16829,7 +16496,7 @@
           <a:lstStyle/>
           <a:p>
             <a:r>
-              <a:rPr lang="en-GB" sz="2400" dirty="0" smtClean="0">
+              <a:rPr lang="en-GB" sz="2400" dirty="0">
                 <a:solidFill>
                   <a:srgbClr val="000000"/>
                 </a:solidFill>
@@ -16838,7 +16505,7 @@
               <a:t>Gives </a:t>
             </a:r>
             <a:r>
-              <a:rPr lang="en-GB" sz="2400" i="1" dirty="0" err="1" smtClean="0">
+              <a:rPr lang="en-GB" sz="2400" i="1" dirty="0" err="1">
                 <a:solidFill>
                   <a:srgbClr val="000000"/>
                 </a:solidFill>
@@ -16847,7 +16514,7 @@
               <a:t>R</a:t>
             </a:r>
             <a:r>
-              <a:rPr lang="en-GB" sz="2400" i="1" baseline="-25000" dirty="0" err="1" smtClean="0">
+              <a:rPr lang="en-GB" sz="2400" i="1" baseline="-25000" dirty="0" err="1">
                 <a:solidFill>
                   <a:srgbClr val="000000"/>
                 </a:solidFill>
@@ -16856,7 +16523,7 @@
               <a:t>n,l</a:t>
             </a:r>
             <a:r>
-              <a:rPr lang="en-GB" sz="2400" dirty="0" smtClean="0">
+              <a:rPr lang="en-GB" sz="2400" dirty="0">
                 <a:solidFill>
                   <a:srgbClr val="000000"/>
                 </a:solidFill>
@@ -16865,7 +16532,7 @@
               <a:t>(</a:t>
             </a:r>
             <a:r>
-              <a:rPr lang="en-GB" sz="2400" i="1" dirty="0" smtClean="0">
+              <a:rPr lang="en-GB" sz="2400" i="1" dirty="0">
                 <a:solidFill>
                   <a:srgbClr val="000000"/>
                 </a:solidFill>
@@ -16874,7 +16541,7 @@
               <a:t>r</a:t>
             </a:r>
             <a:r>
-              <a:rPr lang="en-GB" sz="2400" dirty="0" smtClean="0">
+              <a:rPr lang="en-GB" sz="2400" dirty="0">
                 <a:solidFill>
                   <a:srgbClr val="000000"/>
                 </a:solidFill>
@@ -16899,7 +16566,7 @@
   <p:timing>
     <p:tnLst>
       <p:par>
-        <p:cTn xmlns:p14="http://schemas.microsoft.com/office/powerpoint/2010/main" id="1" dur="indefinite" restart="never" nodeType="tmRoot">
+        <p:cTn id="1" dur="indefinite" restart="never" nodeType="tmRoot">
           <p:childTnLst>
             <p:seq concurrent="1" nextAc="seek">
               <p:cTn id="2" dur="indefinite" nodeType="mainSeq">
@@ -17911,7 +17578,7 @@
               </a:tabLst>
             </a:pPr>
             <a:r>
-              <a:rPr lang="en-GB" sz="4000" dirty="0" smtClean="0">
+              <a:rPr lang="en-GB" sz="4000" dirty="0">
                 <a:solidFill>
                   <a:srgbClr val="000000"/>
                 </a:solidFill>
@@ -17919,12 +17586,6 @@
               </a:rPr>
               <a:t>Hydrogen Atom</a:t>
             </a:r>
-            <a:endParaRPr lang="en-GB" sz="4000" dirty="0">
-              <a:solidFill>
-                <a:srgbClr val="000000"/>
-              </a:solidFill>
-              <a:latin typeface="Times New Roman" pitchFamily="18" charset="0"/>
-            </a:endParaRPr>
           </a:p>
         </p:txBody>
       </p:sp>
@@ -17981,7 +17642,7 @@
                 <a:tab pos="10488613" algn="l"/>
               </a:tabLst>
             </a:pPr>
-            <a:endParaRPr lang="en-GB" sz="1200" dirty="0" smtClean="0">
+            <a:endParaRPr lang="en-GB" sz="1200" dirty="0">
               <a:solidFill>
                 <a:srgbClr val="000000"/>
               </a:solidFill>
@@ -18015,7 +17676,7 @@
               </a:tabLst>
             </a:pPr>
             <a:r>
-              <a:rPr lang="en-GB" sz="2400" dirty="0" smtClean="0">
+              <a:rPr lang="en-GB" sz="2400" dirty="0">
                 <a:solidFill>
                   <a:srgbClr val="000000"/>
                 </a:solidFill>
@@ -18072,7 +17733,7 @@
           <a:lstStyle/>
           <a:p>
             <a:r>
-              <a:rPr lang="en-GB" sz="2400" dirty="0" smtClean="0">
+              <a:rPr lang="en-GB" sz="2400" dirty="0">
                 <a:solidFill>
                   <a:srgbClr val="000000"/>
                 </a:solidFill>
@@ -18081,7 +17742,7 @@
               <a:t>Gives </a:t>
             </a:r>
             <a:r>
-              <a:rPr lang="en-GB" sz="2400" dirty="0" err="1" smtClean="0">
+              <a:rPr lang="en-GB" sz="2400" dirty="0" err="1">
                 <a:solidFill>
                   <a:srgbClr val="000000"/>
                 </a:solidFill>
@@ -18091,25 +17752,16 @@
               <a:t>Q</a:t>
             </a:r>
             <a:r>
-              <a:rPr lang="en-GB" sz="2400" i="1" baseline="-25000" dirty="0" err="1" smtClean="0">
-                <a:solidFill>
-                  <a:srgbClr val="000000"/>
-                </a:solidFill>
-                <a:latin typeface="Times New Roman" pitchFamily="18" charset="0"/>
-              </a:rPr>
-              <a:t>l,</a:t>
-            </a:r>
-            <a:r>
               <a:rPr lang="en-GB" sz="2400" i="1" baseline="-25000" dirty="0" err="1">
                 <a:solidFill>
                   <a:srgbClr val="000000"/>
                 </a:solidFill>
                 <a:latin typeface="Times New Roman" pitchFamily="18" charset="0"/>
               </a:rPr>
-              <a:t>m</a:t>
-            </a:r>
-            <a:r>
-              <a:rPr lang="en-GB" sz="2400" dirty="0" smtClean="0">
+              <a:t>l,m</a:t>
+            </a:r>
+            <a:r>
+              <a:rPr lang="en-GB" sz="2400" dirty="0">
                 <a:solidFill>
                   <a:srgbClr val="000000"/>
                 </a:solidFill>
@@ -18118,7 +17770,7 @@
               <a:t>(</a:t>
             </a:r>
             <a:r>
-              <a:rPr lang="en-GB" sz="2400" i="1" dirty="0" smtClean="0">
+              <a:rPr lang="en-GB" sz="2400" i="1" dirty="0">
                 <a:solidFill>
                   <a:srgbClr val="000000"/>
                 </a:solidFill>
@@ -18128,7 +17780,7 @@
               <a:t>q</a:t>
             </a:r>
             <a:r>
-              <a:rPr lang="en-GB" sz="2400" dirty="0" smtClean="0">
+              <a:rPr lang="en-GB" sz="2400" dirty="0">
                 <a:solidFill>
                   <a:srgbClr val="000000"/>
                 </a:solidFill>
@@ -18162,7 +17814,7 @@
           <a:lstStyle/>
           <a:p>
             <a:r>
-              <a:rPr lang="en-GB" sz="2400" dirty="0" smtClean="0">
+              <a:rPr lang="en-GB" sz="2400" dirty="0">
                 <a:solidFill>
                   <a:srgbClr val="000000"/>
                 </a:solidFill>
@@ -18171,7 +17823,7 @@
               <a:t>Gives </a:t>
             </a:r>
             <a:r>
-              <a:rPr lang="en-GB" sz="2400" dirty="0" err="1" smtClean="0">
+              <a:rPr lang="en-GB" sz="2400" dirty="0" err="1">
                 <a:solidFill>
                   <a:srgbClr val="000000"/>
                 </a:solidFill>
@@ -18181,7 +17833,7 @@
               <a:t>F</a:t>
             </a:r>
             <a:r>
-              <a:rPr lang="en-GB" sz="2400" i="1" baseline="-25000" dirty="0" err="1" smtClean="0">
+              <a:rPr lang="en-GB" sz="2400" i="1" baseline="-25000" dirty="0" err="1">
                 <a:solidFill>
                   <a:srgbClr val="000000"/>
                 </a:solidFill>
@@ -18190,7 +17842,7 @@
               <a:t>m</a:t>
             </a:r>
             <a:r>
-              <a:rPr lang="en-GB" sz="2400" dirty="0" smtClean="0">
+              <a:rPr lang="en-GB" sz="2400" dirty="0">
                 <a:solidFill>
                   <a:srgbClr val="000000"/>
                 </a:solidFill>
@@ -18199,7 +17851,7 @@
               <a:t>(</a:t>
             </a:r>
             <a:r>
-              <a:rPr lang="en-GB" sz="2400" i="1" dirty="0" smtClean="0">
+              <a:rPr lang="en-GB" sz="2400" i="1" dirty="0">
                 <a:solidFill>
                   <a:srgbClr val="000000"/>
                 </a:solidFill>
@@ -18209,7 +17861,7 @@
               <a:t>f</a:t>
             </a:r>
             <a:r>
-              <a:rPr lang="en-GB" sz="2400" dirty="0" smtClean="0">
+              <a:rPr lang="en-GB" sz="2400" dirty="0">
                 <a:solidFill>
                   <a:srgbClr val="000000"/>
                 </a:solidFill>
@@ -18350,7 +18002,7 @@
                 <a:tab pos="10488613" algn="l"/>
               </a:tabLst>
             </a:pPr>
-            <a:endParaRPr lang="en-GB" sz="1200" dirty="0" smtClean="0">
+            <a:endParaRPr lang="en-GB" sz="1200" dirty="0">
               <a:solidFill>
                 <a:srgbClr val="000000"/>
               </a:solidFill>
@@ -18384,7 +18036,7 @@
               </a:tabLst>
             </a:pPr>
             <a:r>
-              <a:rPr lang="en-GB" sz="2400" b="1" u="sng" dirty="0" smtClean="0">
+              <a:rPr lang="en-GB" sz="2400" b="1" u="sng" dirty="0">
                 <a:solidFill>
                   <a:srgbClr val="000000"/>
                 </a:solidFill>
@@ -18393,7 +18045,7 @@
               <a:t>Quantum number rules for hydrogen atom</a:t>
             </a:r>
             <a:r>
-              <a:rPr lang="en-GB" sz="2400" dirty="0" smtClean="0">
+              <a:rPr lang="en-GB" sz="2400" dirty="0">
                 <a:solidFill>
                   <a:srgbClr val="000000"/>
                 </a:solidFill>
@@ -18438,7 +18090,7 @@
               <a:t>n</a:t>
             </a:r>
             <a:r>
-              <a:rPr lang="en-GB" sz="2400" dirty="0" smtClean="0">
+              <a:rPr lang="en-GB" sz="2400" dirty="0">
                 <a:solidFill>
                   <a:srgbClr val="000000"/>
                 </a:solidFill>
@@ -18474,7 +18126,7 @@
               </a:tabLst>
             </a:pPr>
             <a:r>
-              <a:rPr lang="en-GB" sz="2400" i="1" dirty="0" smtClean="0">
+              <a:rPr lang="en-GB" sz="2400" i="1" dirty="0">
                 <a:solidFill>
                   <a:srgbClr val="000000"/>
                 </a:solidFill>
@@ -18483,7 +18135,7 @@
               <a:t>l</a:t>
             </a:r>
             <a:r>
-              <a:rPr lang="en-GB" sz="2400" dirty="0" smtClean="0">
+              <a:rPr lang="en-GB" sz="2400" dirty="0">
                 <a:solidFill>
                   <a:srgbClr val="000000"/>
                 </a:solidFill>
@@ -18492,7 +18144,7 @@
               <a:t> = 0, 1, 2, 3, …, </a:t>
             </a:r>
             <a:r>
-              <a:rPr lang="en-GB" sz="2400" i="1" dirty="0" smtClean="0">
+              <a:rPr lang="en-GB" sz="2400" i="1" dirty="0">
                 <a:solidFill>
                   <a:srgbClr val="000000"/>
                 </a:solidFill>
@@ -18501,7 +18153,7 @@
               <a:t>n</a:t>
             </a:r>
             <a:r>
-              <a:rPr lang="en-GB" sz="2400" dirty="0" smtClean="0">
+              <a:rPr lang="en-GB" sz="2400" dirty="0">
                 <a:solidFill>
                   <a:srgbClr val="000000"/>
                 </a:solidFill>
@@ -18537,7 +18189,7 @@
               </a:tabLst>
             </a:pPr>
             <a:r>
-              <a:rPr lang="en-GB" sz="2400" i="1" dirty="0" smtClean="0">
+              <a:rPr lang="en-GB" sz="2400" i="1" dirty="0">
                 <a:solidFill>
                   <a:srgbClr val="000000"/>
                 </a:solidFill>
@@ -18546,7 +18198,7 @@
               <a:t>m</a:t>
             </a:r>
             <a:r>
-              <a:rPr lang="en-GB" sz="2400" dirty="0" smtClean="0">
+              <a:rPr lang="en-GB" sz="2400" dirty="0">
                 <a:solidFill>
                   <a:srgbClr val="000000"/>
                 </a:solidFill>
@@ -18555,7 +18207,7 @@
               <a:t> = -</a:t>
             </a:r>
             <a:r>
-              <a:rPr lang="en-GB" sz="2400" i="1" dirty="0" smtClean="0">
+              <a:rPr lang="en-GB" sz="2400" i="1" dirty="0">
                 <a:solidFill>
                   <a:srgbClr val="000000"/>
                 </a:solidFill>
@@ -18564,7 +18216,7 @@
               <a:t>l</a:t>
             </a:r>
             <a:r>
-              <a:rPr lang="en-GB" sz="2400" dirty="0" smtClean="0">
+              <a:rPr lang="en-GB" sz="2400" dirty="0">
                 <a:solidFill>
                   <a:srgbClr val="000000"/>
                 </a:solidFill>
@@ -18573,7 +18225,7 @@
               <a:t>, …, 0, …, </a:t>
             </a:r>
             <a:r>
-              <a:rPr lang="en-GB" sz="2400" i="1" dirty="0" smtClean="0">
+              <a:rPr lang="en-GB" sz="2400" i="1" dirty="0">
                 <a:solidFill>
                   <a:srgbClr val="000000"/>
                 </a:solidFill>
@@ -18597,7 +18249,7 @@
   <p:timing>
     <p:tnLst>
       <p:par>
-        <p:cTn xmlns:p14="http://schemas.microsoft.com/office/powerpoint/2010/main" id="1" dur="indefinite" restart="never" nodeType="tmRoot">
+        <p:cTn id="1" dur="indefinite" restart="never" nodeType="tmRoot">
           <p:childTnLst>
             <p:seq concurrent="1" nextAc="seek">
               <p:cTn id="2" dur="indefinite" nodeType="mainSeq">
@@ -19244,7 +18896,7 @@
               </a:tabLst>
             </a:pPr>
             <a:r>
-              <a:rPr lang="en-GB" sz="4000" dirty="0" smtClean="0">
+              <a:rPr lang="en-GB" sz="4000" dirty="0">
                 <a:solidFill>
                   <a:srgbClr val="000000"/>
                 </a:solidFill>
@@ -19252,12 +18904,6 @@
               </a:rPr>
               <a:t>Hydrogen Energies</a:t>
             </a:r>
-            <a:endParaRPr lang="en-GB" sz="4000" dirty="0">
-              <a:solidFill>
-                <a:srgbClr val="000000"/>
-              </a:solidFill>
-              <a:latin typeface="Times New Roman" pitchFamily="18" charset="0"/>
-            </a:endParaRPr>
           </a:p>
         </p:txBody>
       </p:sp>
@@ -19314,7 +18960,7 @@
                 <a:tab pos="10488613" algn="l"/>
               </a:tabLst>
             </a:pPr>
-            <a:endParaRPr lang="en-GB" sz="1200" dirty="0" smtClean="0">
+            <a:endParaRPr lang="en-GB" sz="1200" dirty="0">
               <a:solidFill>
                 <a:srgbClr val="000000"/>
               </a:solidFill>
@@ -19348,7 +18994,7 @@
               </a:tabLst>
             </a:pPr>
             <a:r>
-              <a:rPr lang="en-GB" sz="3200" dirty="0" smtClean="0">
+              <a:rPr lang="en-GB" sz="3200" dirty="0">
                 <a:solidFill>
                   <a:srgbClr val="000000"/>
                 </a:solidFill>
@@ -19393,7 +19039,7 @@
               <a:t>Energies</a:t>
             </a:r>
             <a:r>
-              <a:rPr lang="en-GB" sz="2400" dirty="0" smtClean="0">
+              <a:rPr lang="en-GB" sz="2400" dirty="0">
                 <a:solidFill>
                   <a:srgbClr val="000000"/>
                 </a:solidFill>
@@ -19401,12 +19047,6 @@
               </a:rPr>
               <a:t>:</a:t>
             </a:r>
-            <a:endParaRPr lang="en-GB" sz="2400" dirty="0">
-              <a:solidFill>
-                <a:srgbClr val="000000"/>
-              </a:solidFill>
-              <a:latin typeface="Times New Roman" pitchFamily="18" charset="0"/>
-            </a:endParaRPr>
           </a:p>
         </p:txBody>
       </p:sp>
@@ -19464,7 +19104,7 @@
               </a:tabLst>
             </a:pPr>
             <a:r>
-              <a:rPr lang="en-GB" sz="2400" dirty="0" smtClean="0">
+              <a:rPr lang="en-GB" sz="2400" dirty="0">
                 <a:solidFill>
                   <a:srgbClr val="000000"/>
                 </a:solidFill>
@@ -19473,7 +19113,7 @@
               <a:t>Energies only depend on principle quantum number </a:t>
             </a:r>
             <a:r>
-              <a:rPr lang="en-GB" sz="2400" i="1" dirty="0" smtClean="0">
+              <a:rPr lang="en-GB" sz="2400" i="1" dirty="0">
                 <a:solidFill>
                   <a:srgbClr val="000000"/>
                 </a:solidFill>
@@ -19507,51 +19147,47 @@
           <a:lstStyle/>
           <a:p>
             <a:r>
-              <a:rPr lang="en-US" dirty="0" smtClean="0">
+              <a:rPr lang="en-US" dirty="0">
                 <a:latin typeface="Times New Roman"/>
                 <a:cs typeface="Times New Roman"/>
               </a:rPr>
               <a:t>Rydberg constant </a:t>
             </a:r>
             <a:r>
-              <a:rPr lang="en-US" i="1" dirty="0" smtClean="0">
+              <a:rPr lang="en-US" i="1" dirty="0">
                 <a:latin typeface="Times New Roman"/>
                 <a:cs typeface="Times New Roman"/>
               </a:rPr>
               <a:t>R</a:t>
             </a:r>
             <a:r>
-              <a:rPr lang="en-US" i="1" baseline="-25000" dirty="0" smtClean="0">
+              <a:rPr lang="en-US" i="1" baseline="-25000" dirty="0">
                 <a:latin typeface="Times New Roman"/>
                 <a:cs typeface="Times New Roman"/>
               </a:rPr>
               <a:t>H</a:t>
             </a:r>
             <a:r>
-              <a:rPr lang="en-US" i="1" dirty="0" smtClean="0">
+              <a:rPr lang="en-US" i="1" dirty="0">
                 <a:latin typeface="Times New Roman"/>
                 <a:cs typeface="Times New Roman"/>
               </a:rPr>
               <a:t> </a:t>
             </a:r>
             <a:r>
-              <a:rPr lang="en-US" dirty="0" smtClean="0">
+              <a:rPr lang="en-US" dirty="0">
                 <a:latin typeface="Times New Roman"/>
                 <a:cs typeface="Times New Roman"/>
               </a:rPr>
               <a:t>in </a:t>
             </a:r>
             <a:r>
-              <a:rPr lang="en-US" i="1" dirty="0" smtClean="0">
+              <a:rPr lang="en-US" i="1" dirty="0">
                 <a:latin typeface="Times New Roman"/>
                 <a:cs typeface="Times New Roman"/>
               </a:rPr>
               <a:t>J</a:t>
             </a:r>
-            <a:endParaRPr lang="en-US" i="1" dirty="0">
-              <a:latin typeface="Times New Roman"/>
-              <a:cs typeface="Times New Roman"/>
-            </a:endParaRPr>
           </a:p>
         </p:txBody>
       </p:sp>
@@ -19609,7 +19245,7 @@
               </a:tabLst>
             </a:pPr>
             <a:r>
-              <a:rPr lang="en-GB" sz="2400" dirty="0" smtClean="0">
+              <a:rPr lang="en-GB" sz="2400" dirty="0">
                 <a:solidFill>
                   <a:srgbClr val="000000"/>
                 </a:solidFill>
@@ -19645,7 +19281,7 @@
               </a:tabLst>
             </a:pPr>
             <a:r>
-              <a:rPr lang="en-GB" sz="2400" dirty="0" smtClean="0">
+              <a:rPr lang="en-GB" sz="2400" dirty="0">
                 <a:solidFill>
                   <a:srgbClr val="000000"/>
                 </a:solidFill>
@@ -19654,7 +19290,7 @@
               <a:t>For every </a:t>
             </a:r>
             <a:r>
-              <a:rPr lang="en-GB" sz="2400" i="1" dirty="0" smtClean="0">
+              <a:rPr lang="en-GB" sz="2400" i="1" dirty="0">
                 <a:solidFill>
                   <a:srgbClr val="000000"/>
                 </a:solidFill>
@@ -19663,7 +19299,7 @@
               <a:t>n</a:t>
             </a:r>
             <a:r>
-              <a:rPr lang="en-GB" sz="2400" dirty="0" smtClean="0">
+              <a:rPr lang="en-GB" sz="2400" dirty="0">
                 <a:solidFill>
                   <a:srgbClr val="000000"/>
                 </a:solidFill>
@@ -19672,7 +19308,7 @@
               <a:t>, there are </a:t>
             </a:r>
             <a:r>
-              <a:rPr lang="en-GB" sz="2400" i="1" dirty="0" smtClean="0">
+              <a:rPr lang="en-GB" sz="2400" i="1" dirty="0">
                 <a:solidFill>
                   <a:srgbClr val="000000"/>
                 </a:solidFill>
@@ -19681,7 +19317,7 @@
               <a:t>n</a:t>
             </a:r>
             <a:r>
-              <a:rPr lang="en-GB" sz="2400" dirty="0" smtClean="0">
+              <a:rPr lang="en-GB" sz="2400" dirty="0">
                 <a:solidFill>
                   <a:srgbClr val="000000"/>
                 </a:solidFill>
@@ -19690,7 +19326,7 @@
               <a:t>-1 values of </a:t>
             </a:r>
             <a:r>
-              <a:rPr lang="en-GB" sz="2400" i="1" dirty="0" smtClean="0">
+              <a:rPr lang="en-GB" sz="2400" i="1" dirty="0">
                 <a:solidFill>
                   <a:srgbClr val="000000"/>
                 </a:solidFill>
@@ -19726,7 +19362,7 @@
               </a:tabLst>
             </a:pPr>
             <a:r>
-              <a:rPr lang="en-GB" sz="2400" dirty="0" smtClean="0">
+              <a:rPr lang="en-GB" sz="2400" dirty="0">
                 <a:solidFill>
                   <a:srgbClr val="000000"/>
                 </a:solidFill>
@@ -19735,7 +19371,7 @@
               <a:t>For every value of </a:t>
             </a:r>
             <a:r>
-              <a:rPr lang="en-GB" sz="2400" i="1" dirty="0" smtClean="0">
+              <a:rPr lang="en-GB" sz="2400" i="1" dirty="0">
                 <a:solidFill>
                   <a:srgbClr val="000000"/>
                 </a:solidFill>
@@ -19744,7 +19380,7 @@
               <a:t>l</a:t>
             </a:r>
             <a:r>
-              <a:rPr lang="en-GB" sz="2400" dirty="0" smtClean="0">
+              <a:rPr lang="en-GB" sz="2400" dirty="0">
                 <a:solidFill>
                   <a:srgbClr val="000000"/>
                 </a:solidFill>
@@ -19753,7 +19389,7 @@
               <a:t> the are 2</a:t>
             </a:r>
             <a:r>
-              <a:rPr lang="en-GB" sz="2400" i="1" dirty="0" smtClean="0">
+              <a:rPr lang="en-GB" sz="2400" i="1" dirty="0">
                 <a:solidFill>
                   <a:srgbClr val="000000"/>
                 </a:solidFill>
@@ -19762,7 +19398,7 @@
               <a:t>l</a:t>
             </a:r>
             <a:r>
-              <a:rPr lang="en-GB" sz="2400" dirty="0" smtClean="0">
+              <a:rPr lang="en-GB" sz="2400" dirty="0">
                 <a:solidFill>
                   <a:srgbClr val="000000"/>
                 </a:solidFill>
@@ -19771,7 +19407,7 @@
               <a:t>+1 values of </a:t>
             </a:r>
             <a:r>
-              <a:rPr lang="en-GB" sz="2400" i="1" dirty="0" smtClean="0">
+              <a:rPr lang="en-GB" sz="2400" i="1" dirty="0">
                 <a:solidFill>
                   <a:srgbClr val="000000"/>
                 </a:solidFill>
@@ -19780,7 +19416,7 @@
               <a:t>m</a:t>
             </a:r>
             <a:r>
-              <a:rPr lang="en-GB" sz="2400" i="1" baseline="-25000" dirty="0" smtClean="0">
+              <a:rPr lang="en-GB" sz="2400" i="1" baseline="-25000" dirty="0">
                 <a:solidFill>
                   <a:srgbClr val="000000"/>
                 </a:solidFill>
@@ -19888,7 +19524,7 @@
   <p:timing>
     <p:tnLst>
       <p:par>
-        <p:cTn xmlns:p14="http://schemas.microsoft.com/office/powerpoint/2010/main" id="1" dur="indefinite" restart="never" nodeType="tmRoot">
+        <p:cTn id="1" dur="indefinite" restart="never" nodeType="tmRoot">
           <p:childTnLst>
             <p:seq concurrent="1" nextAc="seek">
               <p:cTn id="2" dur="indefinite" nodeType="mainSeq">
@@ -20484,7 +20120,7 @@
               </a:tabLst>
             </a:pPr>
             <a:r>
-              <a:rPr lang="en-GB" sz="4000" dirty="0" smtClean="0">
+              <a:rPr lang="en-GB" sz="4000" dirty="0">
                 <a:solidFill>
                   <a:srgbClr val="000000"/>
                 </a:solidFill>
@@ -20492,12 +20128,6 @@
               </a:rPr>
               <a:t>Orbital Energies</a:t>
             </a:r>
-            <a:endParaRPr lang="en-GB" sz="4000" dirty="0">
-              <a:solidFill>
-                <a:srgbClr val="000000"/>
-              </a:solidFill>
-              <a:latin typeface="Times New Roman" pitchFamily="18" charset="0"/>
-            </a:endParaRPr>
           </a:p>
         </p:txBody>
       </p:sp>
@@ -20523,7 +20153,7 @@
           <a:lstStyle/>
           <a:p>
             <a:r>
-              <a:rPr lang="en-GB" sz="2400" dirty="0" smtClean="0">
+              <a:rPr lang="en-GB" sz="2400" dirty="0">
                 <a:solidFill>
                   <a:srgbClr val="000000"/>
                 </a:solidFill>
@@ -20532,7 +20162,7 @@
               <a:t>Orbital Energy in units of </a:t>
             </a:r>
             <a:r>
-              <a:rPr lang="en-GB" sz="2400" i="1" dirty="0" smtClean="0">
+              <a:rPr lang="en-GB" sz="2400" i="1" dirty="0">
                 <a:solidFill>
                   <a:srgbClr val="000000"/>
                 </a:solidFill>
@@ -20541,7 +20171,7 @@
               <a:t>R</a:t>
             </a:r>
             <a:r>
-              <a:rPr lang="en-GB" sz="2400" i="1" baseline="-25000" dirty="0" smtClean="0">
+              <a:rPr lang="en-GB" sz="2400" i="1" baseline="-25000" dirty="0">
                 <a:solidFill>
                   <a:srgbClr val="000000"/>
                 </a:solidFill>
@@ -20550,7 +20180,7 @@
               <a:t>H</a:t>
             </a:r>
             <a:r>
-              <a:rPr lang="en-GB" sz="2400" i="1" dirty="0" smtClean="0">
+              <a:rPr lang="en-GB" sz="2400" i="1" dirty="0">
                 <a:solidFill>
                   <a:srgbClr val="000000"/>
                 </a:solidFill>
@@ -20559,7 +20189,7 @@
               <a:t> </a:t>
             </a:r>
             <a:r>
-              <a:rPr lang="en-GB" sz="2400" dirty="0" smtClean="0">
+              <a:rPr lang="en-GB" sz="2400" dirty="0">
                 <a:solidFill>
                   <a:srgbClr val="000000"/>
                 </a:solidFill>
@@ -20568,7 +20198,7 @@
               <a:t>(</a:t>
             </a:r>
             <a:r>
-              <a:rPr lang="en-GB" sz="2400" i="1" dirty="0" smtClean="0">
+              <a:rPr lang="en-GB" sz="2400" i="1" dirty="0">
                 <a:solidFill>
                   <a:srgbClr val="000000"/>
                 </a:solidFill>
@@ -20577,7 +20207,7 @@
               <a:t>J</a:t>
             </a:r>
             <a:r>
-              <a:rPr lang="en-GB" sz="2400" dirty="0" smtClean="0">
+              <a:rPr lang="en-GB" sz="2400" dirty="0">
                 <a:solidFill>
                   <a:srgbClr val="000000"/>
                 </a:solidFill>
@@ -20660,7 +20290,7 @@
             <a:lstStyle/>
             <a:p>
               <a:r>
-                <a:rPr lang="en-GB" dirty="0" smtClean="0">
+                <a:rPr lang="en-GB" dirty="0">
                   <a:solidFill>
                     <a:srgbClr val="000000"/>
                   </a:solidFill>
@@ -20669,7 +20299,7 @@
                 <a:t>1</a:t>
               </a:r>
               <a:r>
-                <a:rPr lang="en-GB" i="1" dirty="0" smtClean="0">
+                <a:rPr lang="en-GB" i="1" dirty="0">
                   <a:solidFill>
                     <a:srgbClr val="000000"/>
                   </a:solidFill>
@@ -20703,7 +20333,7 @@
             <a:lstStyle/>
             <a:p>
               <a:r>
-                <a:rPr lang="en-GB" dirty="0" smtClean="0">
+                <a:rPr lang="en-GB" dirty="0">
                   <a:solidFill>
                     <a:srgbClr val="000000"/>
                   </a:solidFill>
@@ -20787,7 +20417,7 @@
             <a:lstStyle/>
             <a:p>
               <a:r>
-                <a:rPr lang="en-GB" dirty="0" smtClean="0">
+                <a:rPr lang="en-GB" dirty="0">
                   <a:solidFill>
                     <a:srgbClr val="000000"/>
                   </a:solidFill>
@@ -20796,7 +20426,7 @@
                 <a:t>2</a:t>
               </a:r>
               <a:r>
-                <a:rPr lang="en-GB" i="1" dirty="0" smtClean="0">
+                <a:rPr lang="en-GB" i="1" dirty="0">
                   <a:solidFill>
                     <a:srgbClr val="000000"/>
                   </a:solidFill>
@@ -20830,7 +20460,7 @@
             <a:lstStyle/>
             <a:p>
               <a:r>
-                <a:rPr lang="en-GB" dirty="0" smtClean="0">
+                <a:rPr lang="en-GB" dirty="0">
                   <a:solidFill>
                     <a:srgbClr val="000000"/>
                   </a:solidFill>
@@ -20899,7 +20529,7 @@
             <a:lstStyle/>
             <a:p>
               <a:r>
-                <a:rPr lang="en-GB" dirty="0" smtClean="0">
+                <a:rPr lang="en-GB" dirty="0">
                   <a:solidFill>
                     <a:srgbClr val="000000"/>
                   </a:solidFill>
@@ -20968,7 +20598,7 @@
             <a:lstStyle/>
             <a:p>
               <a:r>
-                <a:rPr lang="en-GB" dirty="0" smtClean="0">
+                <a:rPr lang="en-GB" dirty="0">
                   <a:solidFill>
                     <a:srgbClr val="000000"/>
                   </a:solidFill>
@@ -21011,7 +20641,7 @@
             <a:lstStyle/>
             <a:p>
               <a:r>
-                <a:rPr lang="en-GB" dirty="0" smtClean="0">
+                <a:rPr lang="en-GB" dirty="0">
                   <a:solidFill>
                     <a:srgbClr val="000000"/>
                   </a:solidFill>
@@ -21173,7 +20803,7 @@
                 <a:t>3</a:t>
               </a:r>
               <a:r>
-                <a:rPr lang="en-GB" i="1" dirty="0" smtClean="0">
+                <a:rPr lang="en-GB" i="1" dirty="0">
                   <a:solidFill>
                     <a:srgbClr val="000000"/>
                   </a:solidFill>
@@ -21207,7 +20837,7 @@
             <a:lstStyle/>
             <a:p>
               <a:r>
-                <a:rPr lang="en-GB" dirty="0" smtClean="0">
+                <a:rPr lang="en-GB" dirty="0">
                   <a:solidFill>
                     <a:srgbClr val="000000"/>
                   </a:solidFill>
@@ -21276,7 +20906,7 @@
             <a:lstStyle/>
             <a:p>
               <a:r>
-                <a:rPr lang="en-GB" dirty="0" smtClean="0">
+                <a:rPr lang="en-GB" dirty="0">
                   <a:solidFill>
                     <a:srgbClr val="000000"/>
                   </a:solidFill>
@@ -21354,7 +20984,7 @@
                 <a:t>3</a:t>
               </a:r>
               <a:r>
-                <a:rPr lang="en-GB" i="1" dirty="0" smtClean="0">
+                <a:rPr lang="en-GB" i="1" dirty="0">
                   <a:solidFill>
                     <a:srgbClr val="000000"/>
                   </a:solidFill>
@@ -21388,7 +21018,7 @@
             <a:lstStyle/>
             <a:p>
               <a:r>
-                <a:rPr lang="en-GB" dirty="0" smtClean="0">
+                <a:rPr lang="en-GB" dirty="0">
                   <a:solidFill>
                     <a:srgbClr val="000000"/>
                   </a:solidFill>
@@ -21551,7 +21181,7 @@
             <a:lstStyle/>
             <a:p>
               <a:r>
-                <a:rPr lang="en-GB" dirty="0" smtClean="0">
+                <a:rPr lang="en-GB" dirty="0">
                   <a:solidFill>
                     <a:srgbClr val="000000"/>
                   </a:solidFill>
@@ -21620,7 +21250,7 @@
             <a:lstStyle/>
             <a:p>
               <a:r>
-                <a:rPr lang="en-GB" dirty="0" smtClean="0">
+                <a:rPr lang="en-GB" dirty="0">
                   <a:solidFill>
                     <a:srgbClr val="000000"/>
                   </a:solidFill>
@@ -21689,7 +21319,7 @@
             <a:lstStyle/>
             <a:p>
               <a:r>
-                <a:rPr lang="en-GB" dirty="0" smtClean="0">
+                <a:rPr lang="en-GB" dirty="0">
                   <a:solidFill>
                     <a:srgbClr val="000000"/>
                   </a:solidFill>
@@ -21732,7 +21362,7 @@
             <a:lstStyle/>
             <a:p>
               <a:r>
-                <a:rPr lang="en-GB" dirty="0" smtClean="0">
+                <a:rPr lang="en-GB" dirty="0">
                   <a:solidFill>
                     <a:srgbClr val="000000"/>
                   </a:solidFill>
@@ -21870,7 +21500,7 @@
             <a:lstStyle/>
             <a:p>
               <a:r>
-                <a:rPr lang="en-GB" dirty="0" smtClean="0">
+                <a:rPr lang="en-GB" dirty="0">
                   <a:solidFill>
                     <a:srgbClr val="000000"/>
                   </a:solidFill>
@@ -21965,7 +21595,7 @@
             <a:lstStyle/>
             <a:p>
               <a:r>
-                <a:rPr lang="en-GB" sz="2800" i="1" dirty="0" smtClean="0">
+                <a:rPr lang="en-GB" sz="2800" i="1" dirty="0">
                   <a:solidFill>
                     <a:srgbClr val="000000"/>
                   </a:solidFill>
@@ -21974,7 +21604,7 @@
                 <a:t>R</a:t>
               </a:r>
               <a:r>
-                <a:rPr lang="en-GB" sz="2800" i="1" baseline="-25000" dirty="0" smtClean="0">
+                <a:rPr lang="en-GB" sz="2800" i="1" baseline="-25000" dirty="0">
                   <a:solidFill>
                     <a:srgbClr val="000000"/>
                   </a:solidFill>
@@ -22009,7 +21639,7 @@
           <a:lstStyle/>
           <a:p>
             <a:r>
-              <a:rPr lang="en-GB" sz="4000" dirty="0" smtClean="0">
+              <a:rPr lang="en-GB" sz="4000" dirty="0">
                 <a:solidFill>
                   <a:srgbClr val="000000"/>
                 </a:solidFill>
@@ -22034,7 +21664,7 @@
   <p:timing>
     <p:tnLst>
       <p:par>
-        <p:cTn xmlns:p14="http://schemas.microsoft.com/office/powerpoint/2010/main" id="1" dur="indefinite" restart="never" nodeType="tmRoot">
+        <p:cTn id="1" dur="indefinite" restart="never" nodeType="tmRoot">
           <p:childTnLst>
             <p:seq concurrent="1" nextAc="seek">
               <p:cTn id="2" dur="indefinite" nodeType="mainSeq">
